--- a/doc/数字水印.pptx
+++ b/doc/数字水印.pptx
@@ -13,10 +13,9 @@
     <p:sldId id="263" r:id="rId7"/>
     <p:sldId id="264" r:id="rId8"/>
     <p:sldId id="265" r:id="rId9"/>
-    <p:sldId id="266" r:id="rId10"/>
-    <p:sldId id="261" r:id="rId11"/>
-    <p:sldId id="262" r:id="rId12"/>
-    <p:sldId id="267" r:id="rId13"/>
+    <p:sldId id="261" r:id="rId10"/>
+    <p:sldId id="262" r:id="rId11"/>
+    <p:sldId id="267" r:id="rId12"/>
   </p:sldIdLst>
   <p:sldSz cx="12192000" cy="6858000"/>
   <p:notesSz cx="6858000" cy="9144000"/>
@@ -115,6 +114,11 @@
       </a:defRPr>
     </a:lvl9pPr>
   </p:defaultTextStyle>
+  <p:extLst>
+    <p:ext uri="{EFAFB233-063F-42B5-8137-9DF3F51BA10A}">
+      <p15:sldGuideLst xmlns:p15="http://schemas.microsoft.com/office/powerpoint/2012/main"/>
+    </p:ext>
+  </p:extLst>
 </p:presentation>
 </file>
 
@@ -3356,7 +3360,12 @@
             <p:ph type="ctrTitle"/>
           </p:nvPr>
         </p:nvSpPr>
-        <p:spPr/>
+        <p:spPr>
+          <a:xfrm>
+            <a:off x="1524000" y="1413991"/>
+            <a:ext cx="9144000" cy="2387600"/>
+          </a:xfrm>
+        </p:spPr>
         <p:txBody>
           <a:bodyPr>
             <a:normAutofit/>
@@ -3364,11 +3373,28 @@
           <a:lstStyle/>
           <a:p>
             <a:r>
-              <a:rPr lang="zh-CN" altLang="en-US" sz="8800" dirty="0">
-                <a:latin typeface="微软雅黑" panose="020B0503020204020204" pitchFamily="34" charset="-122"/>
-                <a:ea typeface="微软雅黑" panose="020B0503020204020204" pitchFamily="34" charset="-122"/>
-              </a:rPr>
-              <a:t>数 字 水 印</a:t>
+              <a:rPr lang="zh-CN" altLang="en-US" sz="8800" spc="600" dirty="0">
+                <a:latin typeface="微软雅黑" panose="020B0503020204020204" pitchFamily="34" charset="-122"/>
+                <a:ea typeface="微软雅黑" panose="020B0503020204020204" pitchFamily="34" charset="-122"/>
+              </a:rPr>
+              <a:t>数字水</a:t>
+            </a:r>
+            <a:r>
+              <a:rPr lang="zh-CN" altLang="en-US" sz="8800" spc="600" dirty="0">
+                <a:solidFill>
+                  <a:schemeClr val="bg1"/>
+                </a:solidFill>
+                <a:latin typeface="微软雅黑" panose="020B0503020204020204" pitchFamily="34" charset="-122"/>
+                <a:ea typeface="微软雅黑" panose="020B0503020204020204" pitchFamily="34" charset="-122"/>
+              </a:rPr>
+              <a:t>印</a:t>
+            </a:r>
+            <a:r>
+              <a:rPr lang="zh-CN" altLang="en-US" sz="8800" spc="600" dirty="0">
+                <a:latin typeface="微软雅黑" panose="020B0503020204020204" pitchFamily="34" charset="-122"/>
+                <a:ea typeface="微软雅黑" panose="020B0503020204020204" pitchFamily="34" charset="-122"/>
+              </a:rPr>
+              <a:t>   </a:t>
             </a:r>
           </a:p>
         </p:txBody>
@@ -3391,7 +3417,7 @@
         </p:nvSpPr>
         <p:spPr>
           <a:xfrm>
-            <a:off x="1524000" y="4294479"/>
+            <a:off x="1524000" y="4138709"/>
             <a:ext cx="9144000" cy="1655762"/>
           </a:xfrm>
         </p:spPr>
@@ -3404,11 +3430,88 @@
                 <a:latin typeface="微软雅黑" panose="020B0503020204020204" pitchFamily="34" charset="-122"/>
                 <a:ea typeface="微软雅黑" panose="020B0503020204020204" pitchFamily="34" charset="-122"/>
               </a:rPr>
-              <a:t>成员：王浩、李涵威</a:t>
-            </a:r>
-          </a:p>
-        </p:txBody>
-      </p:sp>
+              <a:t>汇报人：王浩  李涵威</a:t>
+            </a:r>
+          </a:p>
+        </p:txBody>
+      </p:sp>
+      <p:cxnSp>
+        <p:nvCxnSpPr>
+          <p:cNvPr id="5" name="直接连接符 4">
+            <a:extLst>
+              <a:ext uri="{FF2B5EF4-FFF2-40B4-BE49-F238E27FC236}">
+                <a16:creationId xmlns:a16="http://schemas.microsoft.com/office/drawing/2014/main" id="{67E38FAA-E256-4061-8536-65E89DCE0177}"/>
+              </a:ext>
+            </a:extLst>
+          </p:cNvPr>
+          <p:cNvCxnSpPr/>
+          <p:nvPr/>
+        </p:nvCxnSpPr>
+        <p:spPr>
+          <a:xfrm>
+            <a:off x="2661661" y="3809030"/>
+            <a:ext cx="6592998" cy="0"/>
+          </a:xfrm>
+          <a:prstGeom prst="line">
+            <a:avLst/>
+          </a:prstGeom>
+          <a:ln w="19050">
+            <a:solidFill>
+              <a:schemeClr val="tx1"/>
+            </a:solidFill>
+          </a:ln>
+        </p:spPr>
+        <p:style>
+          <a:lnRef idx="1">
+            <a:schemeClr val="accent1"/>
+          </a:lnRef>
+          <a:fillRef idx="0">
+            <a:schemeClr val="accent1"/>
+          </a:fillRef>
+          <a:effectRef idx="0">
+            <a:schemeClr val="accent1"/>
+          </a:effectRef>
+          <a:fontRef idx="minor">
+            <a:schemeClr val="tx1"/>
+          </a:fontRef>
+        </p:style>
+      </p:cxnSp>
+      <p:pic>
+        <p:nvPicPr>
+          <p:cNvPr id="7" name="图片 6">
+            <a:extLst>
+              <a:ext uri="{FF2B5EF4-FFF2-40B4-BE49-F238E27FC236}">
+                <a16:creationId xmlns:a16="http://schemas.microsoft.com/office/drawing/2014/main" id="{C956ECDE-10CD-4216-8B9C-8E884C2A8083}"/>
+              </a:ext>
+            </a:extLst>
+          </p:cNvPr>
+          <p:cNvPicPr>
+            <a:picLocks noChangeAspect="1"/>
+          </p:cNvPicPr>
+          <p:nvPr/>
+        </p:nvPicPr>
+        <p:blipFill>
+          <a:blip r:embed="rId2">
+            <a:extLst>
+              <a:ext uri="{28A0092B-C50C-407E-A947-70E740481C1C}">
+                <a14:useLocalDpi xmlns:a14="http://schemas.microsoft.com/office/drawing/2010/main" val="0"/>
+              </a:ext>
+            </a:extLst>
+          </a:blip>
+          <a:stretch>
+            <a:fillRect/>
+          </a:stretch>
+        </p:blipFill>
+        <p:spPr>
+          <a:xfrm>
+            <a:off x="7331437" y="2509610"/>
+            <a:ext cx="1198372" cy="1198372"/>
+          </a:xfrm>
+          <a:prstGeom prst="rect">
+            <a:avLst/>
+          </a:prstGeom>
+        </p:spPr>
+      </p:pic>
     </p:spTree>
     <p:extLst>
       <p:ext uri="{BB962C8B-B14F-4D97-AF65-F5344CB8AC3E}">
@@ -3444,7 +3547,7 @@
           <p:cNvPr id="2" name="标题 1">
             <a:extLst>
               <a:ext uri="{FF2B5EF4-FFF2-40B4-BE49-F238E27FC236}">
-                <a16:creationId xmlns:a16="http://schemas.microsoft.com/office/drawing/2014/main" id="{955AE0A6-07F4-4B41-A052-591EE15197D9}"/>
+                <a16:creationId xmlns:a16="http://schemas.microsoft.com/office/drawing/2014/main" id="{B1D02493-2237-47A3-AADE-2AEC0D72704E}"/>
               </a:ext>
             </a:extLst>
           </p:cNvPr>
@@ -3455,7 +3558,12 @@
             <p:ph type="title"/>
           </p:nvPr>
         </p:nvSpPr>
-        <p:spPr/>
+        <p:spPr>
+          <a:xfrm>
+            <a:off x="0" y="0"/>
+            <a:ext cx="10515600" cy="1325563"/>
+          </a:xfrm>
+        </p:spPr>
         <p:txBody>
           <a:bodyPr/>
           <a:lstStyle/>
@@ -3465,193 +3573,129 @@
                 <a:latin typeface="微软雅黑" panose="020B0503020204020204" pitchFamily="34" charset="-122"/>
                 <a:ea typeface="微软雅黑" panose="020B0503020204020204" pitchFamily="34" charset="-122"/>
               </a:rPr>
-              <a:t>项目架构</a:t>
-            </a:r>
-          </a:p>
-        </p:txBody>
-      </p:sp>
-      <p:sp>
-        <p:nvSpPr>
-          <p:cNvPr id="3" name="内容占位符 2">
-            <a:extLst>
-              <a:ext uri="{FF2B5EF4-FFF2-40B4-BE49-F238E27FC236}">
-                <a16:creationId xmlns:a16="http://schemas.microsoft.com/office/drawing/2014/main" id="{88F45D08-C219-4FFB-A95E-1A3A19F77E94}"/>
-              </a:ext>
-            </a:extLst>
-          </p:cNvPr>
-          <p:cNvSpPr>
-            <a:spLocks noGrp="1"/>
-          </p:cNvSpPr>
+              <a:t>项目展示</a:t>
+            </a:r>
+          </a:p>
+        </p:txBody>
+      </p:sp>
+      <p:pic>
+        <p:nvPicPr>
+          <p:cNvPr id="7" name="图片 6">
+            <a:extLst>
+              <a:ext uri="{FF2B5EF4-FFF2-40B4-BE49-F238E27FC236}">
+                <a16:creationId xmlns:a16="http://schemas.microsoft.com/office/drawing/2014/main" id="{F8380AFB-A3E3-418E-828F-41149FA923D1}"/>
+              </a:ext>
+            </a:extLst>
+          </p:cNvPr>
+          <p:cNvPicPr>
+            <a:picLocks noChangeAspect="1"/>
+          </p:cNvPicPr>
+          <p:nvPr/>
+        </p:nvPicPr>
+        <p:blipFill>
+          <a:blip r:embed="rId2">
+            <a:extLst>
+              <a:ext uri="{28A0092B-C50C-407E-A947-70E740481C1C}">
+                <a14:useLocalDpi xmlns:a14="http://schemas.microsoft.com/office/drawing/2010/main" val="0"/>
+              </a:ext>
+            </a:extLst>
+          </a:blip>
+          <a:stretch>
+            <a:fillRect/>
+          </a:stretch>
+        </p:blipFill>
+        <p:spPr>
+          <a:xfrm>
+            <a:off x="5064799" y="782469"/>
+            <a:ext cx="5706665" cy="3946825"/>
+          </a:xfrm>
+          <a:prstGeom prst="rect">
+            <a:avLst/>
+          </a:prstGeom>
+        </p:spPr>
+      </p:pic>
+      <p:pic>
+        <p:nvPicPr>
+          <p:cNvPr id="5" name="内容占位符 4">
+            <a:extLst>
+              <a:ext uri="{FF2B5EF4-FFF2-40B4-BE49-F238E27FC236}">
+                <a16:creationId xmlns:a16="http://schemas.microsoft.com/office/drawing/2014/main" id="{6CC02B67-47DD-4DD0-AE19-598F18B3220F}"/>
+              </a:ext>
+            </a:extLst>
+          </p:cNvPr>
+          <p:cNvPicPr>
+            <a:picLocks noGrp="1" noChangeAspect="1"/>
+          </p:cNvPicPr>
           <p:nvPr>
             <p:ph idx="1"/>
           </p:nvPr>
-        </p:nvSpPr>
-        <p:spPr/>
-        <p:txBody>
-          <a:bodyPr/>
-          <a:lstStyle/>
-          <a:p>
-            <a:r>
-              <a:rPr lang="zh-CN" altLang="en-US" dirty="0">
-                <a:latin typeface="微软雅黑" panose="020B0503020204020204" pitchFamily="34" charset="-122"/>
-                <a:ea typeface="微软雅黑" panose="020B0503020204020204" pitchFamily="34" charset="-122"/>
-              </a:rPr>
-              <a:t>前端架构：</a:t>
-            </a:r>
-            <a:r>
-              <a:rPr lang="en-US" altLang="zh-CN" dirty="0" err="1">
-                <a:latin typeface="微软雅黑" panose="020B0503020204020204" pitchFamily="34" charset="-122"/>
-                <a:ea typeface="微软雅黑" panose="020B0503020204020204" pitchFamily="34" charset="-122"/>
-              </a:rPr>
-              <a:t>Uikit</a:t>
-            </a:r>
-            <a:r>
-              <a:rPr lang="zh-CN" altLang="en-US" dirty="0">
-                <a:latin typeface="微软雅黑" panose="020B0503020204020204" pitchFamily="34" charset="-122"/>
-                <a:ea typeface="微软雅黑" panose="020B0503020204020204" pitchFamily="34" charset="-122"/>
-              </a:rPr>
-              <a:t>、</a:t>
-            </a:r>
-            <a:r>
-              <a:rPr lang="en-US" altLang="zh-CN" dirty="0" err="1">
-                <a:latin typeface="微软雅黑" panose="020B0503020204020204" pitchFamily="34" charset="-122"/>
-                <a:ea typeface="微软雅黑" panose="020B0503020204020204" pitchFamily="34" charset="-122"/>
-              </a:rPr>
-              <a:t>jQuary</a:t>
-            </a:r>
-            <a:endParaRPr lang="en-US" altLang="zh-CN" dirty="0">
-              <a:latin typeface="微软雅黑" panose="020B0503020204020204" pitchFamily="34" charset="-122"/>
-              <a:ea typeface="微软雅黑" panose="020B0503020204020204" pitchFamily="34" charset="-122"/>
-            </a:endParaRPr>
-          </a:p>
-          <a:p>
-            <a:r>
-              <a:rPr lang="zh-CN" altLang="en-US" dirty="0">
-                <a:latin typeface="微软雅黑" panose="020B0503020204020204" pitchFamily="34" charset="-122"/>
-                <a:ea typeface="微软雅黑" panose="020B0503020204020204" pitchFamily="34" charset="-122"/>
-              </a:rPr>
-              <a:t>后端框架：</a:t>
-            </a:r>
-            <a:r>
-              <a:rPr lang="en-US" altLang="zh-CN" dirty="0">
-                <a:latin typeface="微软雅黑" panose="020B0503020204020204" pitchFamily="34" charset="-122"/>
-                <a:ea typeface="微软雅黑" panose="020B0503020204020204" pitchFamily="34" charset="-122"/>
-              </a:rPr>
-              <a:t>Flask</a:t>
-            </a:r>
-          </a:p>
-          <a:p>
-            <a:r>
-              <a:rPr lang="zh-CN" altLang="en-US" dirty="0">
-                <a:latin typeface="微软雅黑" panose="020B0503020204020204" pitchFamily="34" charset="-122"/>
-                <a:ea typeface="微软雅黑" panose="020B0503020204020204" pitchFamily="34" charset="-122"/>
-              </a:rPr>
-              <a:t>图像处理：</a:t>
-            </a:r>
-            <a:r>
-              <a:rPr lang="en-US" altLang="zh-CN" dirty="0" err="1">
-                <a:latin typeface="微软雅黑" panose="020B0503020204020204" pitchFamily="34" charset="-122"/>
-                <a:ea typeface="微软雅黑" panose="020B0503020204020204" pitchFamily="34" charset="-122"/>
-              </a:rPr>
-              <a:t>PyWavelets</a:t>
-            </a:r>
-            <a:r>
-              <a:rPr lang="zh-CN" altLang="en-US" dirty="0">
-                <a:latin typeface="微软雅黑" panose="020B0503020204020204" pitchFamily="34" charset="-122"/>
-                <a:ea typeface="微软雅黑" panose="020B0503020204020204" pitchFamily="34" charset="-122"/>
-              </a:rPr>
-              <a:t>、</a:t>
-            </a:r>
-            <a:r>
-              <a:rPr lang="en-US" altLang="zh-CN" dirty="0" err="1">
-                <a:latin typeface="微软雅黑" panose="020B0503020204020204" pitchFamily="34" charset="-122"/>
-                <a:ea typeface="微软雅黑" panose="020B0503020204020204" pitchFamily="34" charset="-122"/>
-              </a:rPr>
-              <a:t>Numpy</a:t>
-            </a:r>
-            <a:r>
-              <a:rPr lang="zh-CN" altLang="en-US" dirty="0">
-                <a:latin typeface="微软雅黑" panose="020B0503020204020204" pitchFamily="34" charset="-122"/>
-                <a:ea typeface="微软雅黑" panose="020B0503020204020204" pitchFamily="34" charset="-122"/>
-              </a:rPr>
-              <a:t>、</a:t>
-            </a:r>
-            <a:r>
-              <a:rPr lang="en-US" altLang="zh-CN" dirty="0" err="1">
-                <a:latin typeface="微软雅黑" panose="020B0503020204020204" pitchFamily="34" charset="-122"/>
-                <a:ea typeface="微软雅黑" panose="020B0503020204020204" pitchFamily="34" charset="-122"/>
-              </a:rPr>
-              <a:t>Scipy</a:t>
-            </a:r>
-            <a:r>
-              <a:rPr lang="zh-CN" altLang="en-US" dirty="0">
-                <a:latin typeface="微软雅黑" panose="020B0503020204020204" pitchFamily="34" charset="-122"/>
-                <a:ea typeface="微软雅黑" panose="020B0503020204020204" pitchFamily="34" charset="-122"/>
-              </a:rPr>
-              <a:t>、</a:t>
-            </a:r>
-            <a:r>
-              <a:rPr lang="en-US" altLang="zh-CN" dirty="0">
-                <a:latin typeface="微软雅黑" panose="020B0503020204020204" pitchFamily="34" charset="-122"/>
-                <a:ea typeface="微软雅黑" panose="020B0503020204020204" pitchFamily="34" charset="-122"/>
-              </a:rPr>
-              <a:t>Pillow</a:t>
-            </a:r>
-          </a:p>
-          <a:p>
-            <a:r>
-              <a:rPr lang="zh-CN" altLang="en-US" dirty="0">
-                <a:latin typeface="微软雅黑" panose="020B0503020204020204" pitchFamily="34" charset="-122"/>
-                <a:ea typeface="微软雅黑" panose="020B0503020204020204" pitchFamily="34" charset="-122"/>
-              </a:rPr>
-              <a:t>项目部署：</a:t>
-            </a:r>
-            <a:r>
-              <a:rPr lang="en-US" altLang="zh-CN" dirty="0">
-                <a:latin typeface="微软雅黑" panose="020B0503020204020204" pitchFamily="34" charset="-122"/>
-                <a:ea typeface="微软雅黑" panose="020B0503020204020204" pitchFamily="34" charset="-122"/>
-              </a:rPr>
-              <a:t>Docker</a:t>
-            </a:r>
-            <a:r>
-              <a:rPr lang="zh-CN" altLang="en-US" dirty="0">
-                <a:latin typeface="微软雅黑" panose="020B0503020204020204" pitchFamily="34" charset="-122"/>
-                <a:ea typeface="微软雅黑" panose="020B0503020204020204" pitchFamily="34" charset="-122"/>
-              </a:rPr>
-              <a:t>、</a:t>
-            </a:r>
-            <a:r>
-              <a:rPr lang="en-US" altLang="zh-CN" dirty="0">
-                <a:latin typeface="微软雅黑" panose="020B0503020204020204" pitchFamily="34" charset="-122"/>
-                <a:ea typeface="微软雅黑" panose="020B0503020204020204" pitchFamily="34" charset="-122"/>
-              </a:rPr>
-              <a:t>Nginx</a:t>
-            </a:r>
-            <a:r>
-              <a:rPr lang="zh-CN" altLang="en-US" dirty="0">
-                <a:latin typeface="微软雅黑" panose="020B0503020204020204" pitchFamily="34" charset="-122"/>
-                <a:ea typeface="微软雅黑" panose="020B0503020204020204" pitchFamily="34" charset="-122"/>
-              </a:rPr>
-              <a:t>、</a:t>
-            </a:r>
-            <a:r>
-              <a:rPr lang="en-US" altLang="zh-CN" dirty="0">
-                <a:latin typeface="微软雅黑" panose="020B0503020204020204" pitchFamily="34" charset="-122"/>
-                <a:ea typeface="微软雅黑" panose="020B0503020204020204" pitchFamily="34" charset="-122"/>
-              </a:rPr>
-              <a:t>WSGI</a:t>
-            </a:r>
-            <a:endParaRPr lang="zh-CN" altLang="en-US" dirty="0">
-              <a:latin typeface="微软雅黑" panose="020B0503020204020204" pitchFamily="34" charset="-122"/>
-              <a:ea typeface="微软雅黑" panose="020B0503020204020204" pitchFamily="34" charset="-122"/>
-            </a:endParaRPr>
-          </a:p>
-        </p:txBody>
-      </p:sp>
+        </p:nvPicPr>
+        <p:blipFill>
+          <a:blip r:embed="rId3">
+            <a:extLst>
+              <a:ext uri="{28A0092B-C50C-407E-A947-70E740481C1C}">
+                <a14:useLocalDpi xmlns:a14="http://schemas.microsoft.com/office/drawing/2010/main" val="0"/>
+              </a:ext>
+            </a:extLst>
+          </a:blip>
+          <a:stretch>
+            <a:fillRect/>
+          </a:stretch>
+        </p:blipFill>
+        <p:spPr>
+          <a:xfrm>
+            <a:off x="1240871" y="2720599"/>
+            <a:ext cx="5825506" cy="4017390"/>
+          </a:xfrm>
+        </p:spPr>
+      </p:pic>
+      <p:cxnSp>
+        <p:nvCxnSpPr>
+          <p:cNvPr id="6" name="直接连接符 5">
+            <a:extLst>
+              <a:ext uri="{FF2B5EF4-FFF2-40B4-BE49-F238E27FC236}">
+                <a16:creationId xmlns:a16="http://schemas.microsoft.com/office/drawing/2014/main" id="{24A1D0DC-12F8-491A-ABFD-96A99685A685}"/>
+              </a:ext>
+            </a:extLst>
+          </p:cNvPr>
+          <p:cNvCxnSpPr>
+            <a:cxnSpLocks/>
+          </p:cNvCxnSpPr>
+          <p:nvPr/>
+        </p:nvCxnSpPr>
+        <p:spPr>
+          <a:xfrm>
+            <a:off x="0" y="1048358"/>
+            <a:ext cx="2399572" cy="0"/>
+          </a:xfrm>
+          <a:prstGeom prst="line">
+            <a:avLst/>
+          </a:prstGeom>
+          <a:ln w="19050">
+            <a:solidFill>
+              <a:schemeClr val="tx1"/>
+            </a:solidFill>
+          </a:ln>
+        </p:spPr>
+        <p:style>
+          <a:lnRef idx="1">
+            <a:schemeClr val="accent1"/>
+          </a:lnRef>
+          <a:fillRef idx="0">
+            <a:schemeClr val="accent1"/>
+          </a:fillRef>
+          <a:effectRef idx="0">
+            <a:schemeClr val="accent1"/>
+          </a:effectRef>
+          <a:fontRef idx="minor">
+            <a:schemeClr val="tx1"/>
+          </a:fontRef>
+        </p:style>
+      </p:cxnSp>
     </p:spTree>
     <p:extLst>
       <p:ext uri="{BB962C8B-B14F-4D97-AF65-F5344CB8AC3E}">
-        <p14:creationId xmlns:p14="http://schemas.microsoft.com/office/powerpoint/2010/main" val="421769583"/>
+        <p14:creationId xmlns:p14="http://schemas.microsoft.com/office/powerpoint/2010/main" val="906479331"/>
       </p:ext>
     </p:extLst>
   </p:cSld>
@@ -3680,138 +3724,6 @@
       </p:grpSpPr>
       <p:sp>
         <p:nvSpPr>
-          <p:cNvPr id="2" name="标题 1">
-            <a:extLst>
-              <a:ext uri="{FF2B5EF4-FFF2-40B4-BE49-F238E27FC236}">
-                <a16:creationId xmlns:a16="http://schemas.microsoft.com/office/drawing/2014/main" id="{B1D02493-2237-47A3-AADE-2AEC0D72704E}"/>
-              </a:ext>
-            </a:extLst>
-          </p:cNvPr>
-          <p:cNvSpPr>
-            <a:spLocks noGrp="1"/>
-          </p:cNvSpPr>
-          <p:nvPr>
-            <p:ph type="title"/>
-          </p:nvPr>
-        </p:nvSpPr>
-        <p:spPr/>
-        <p:txBody>
-          <a:bodyPr/>
-          <a:lstStyle/>
-          <a:p>
-            <a:r>
-              <a:rPr lang="zh-CN" altLang="en-US" dirty="0">
-                <a:latin typeface="微软雅黑" panose="020B0503020204020204" pitchFamily="34" charset="-122"/>
-                <a:ea typeface="微软雅黑" panose="020B0503020204020204" pitchFamily="34" charset="-122"/>
-              </a:rPr>
-              <a:t>项目展示</a:t>
-            </a:r>
-          </a:p>
-        </p:txBody>
-      </p:sp>
-      <p:pic>
-        <p:nvPicPr>
-          <p:cNvPr id="7" name="图片 6">
-            <a:extLst>
-              <a:ext uri="{FF2B5EF4-FFF2-40B4-BE49-F238E27FC236}">
-                <a16:creationId xmlns:a16="http://schemas.microsoft.com/office/drawing/2014/main" id="{F8380AFB-A3E3-418E-828F-41149FA923D1}"/>
-              </a:ext>
-            </a:extLst>
-          </p:cNvPr>
-          <p:cNvPicPr>
-            <a:picLocks noChangeAspect="1"/>
-          </p:cNvPicPr>
-          <p:nvPr/>
-        </p:nvPicPr>
-        <p:blipFill>
-          <a:blip r:embed="rId2">
-            <a:extLst>
-              <a:ext uri="{28A0092B-C50C-407E-A947-70E740481C1C}">
-                <a14:useLocalDpi xmlns:a14="http://schemas.microsoft.com/office/drawing/2010/main" val="0"/>
-              </a:ext>
-            </a:extLst>
-          </a:blip>
-          <a:stretch>
-            <a:fillRect/>
-          </a:stretch>
-        </p:blipFill>
-        <p:spPr>
-          <a:xfrm>
-            <a:off x="5064799" y="782469"/>
-            <a:ext cx="5706665" cy="3946825"/>
-          </a:xfrm>
-          <a:prstGeom prst="rect">
-            <a:avLst/>
-          </a:prstGeom>
-        </p:spPr>
-      </p:pic>
-      <p:pic>
-        <p:nvPicPr>
-          <p:cNvPr id="5" name="内容占位符 4">
-            <a:extLst>
-              <a:ext uri="{FF2B5EF4-FFF2-40B4-BE49-F238E27FC236}">
-                <a16:creationId xmlns:a16="http://schemas.microsoft.com/office/drawing/2014/main" id="{6CC02B67-47DD-4DD0-AE19-598F18B3220F}"/>
-              </a:ext>
-            </a:extLst>
-          </p:cNvPr>
-          <p:cNvPicPr>
-            <a:picLocks noGrp="1" noChangeAspect="1"/>
-          </p:cNvPicPr>
-          <p:nvPr>
-            <p:ph idx="1"/>
-          </p:nvPr>
-        </p:nvPicPr>
-        <p:blipFill>
-          <a:blip r:embed="rId3">
-            <a:extLst>
-              <a:ext uri="{28A0092B-C50C-407E-A947-70E740481C1C}">
-                <a14:useLocalDpi xmlns:a14="http://schemas.microsoft.com/office/drawing/2010/main" val="0"/>
-              </a:ext>
-            </a:extLst>
-          </a:blip>
-          <a:stretch>
-            <a:fillRect/>
-          </a:stretch>
-        </p:blipFill>
-        <p:spPr>
-          <a:xfrm>
-            <a:off x="1240871" y="2720599"/>
-            <a:ext cx="5825506" cy="4017390"/>
-          </a:xfrm>
-        </p:spPr>
-      </p:pic>
-    </p:spTree>
-    <p:extLst>
-      <p:ext uri="{BB962C8B-B14F-4D97-AF65-F5344CB8AC3E}">
-        <p14:creationId xmlns:p14="http://schemas.microsoft.com/office/powerpoint/2010/main" val="906479331"/>
-      </p:ext>
-    </p:extLst>
-  </p:cSld>
-  <p:clrMapOvr>
-    <a:masterClrMapping/>
-  </p:clrMapOvr>
-</p:sld>
-</file>
-
-<file path=ppt/slides/slide12.xml><?xml version="1.0" encoding="utf-8"?>
-<p:sld xmlns:a="http://schemas.openxmlformats.org/drawingml/2006/main" xmlns:r="http://schemas.openxmlformats.org/officeDocument/2006/relationships" xmlns:p="http://schemas.openxmlformats.org/presentationml/2006/main">
-  <p:cSld>
-    <p:spTree>
-      <p:nvGrpSpPr>
-        <p:cNvPr id="1" name=""/>
-        <p:cNvGrpSpPr/>
-        <p:nvPr/>
-      </p:nvGrpSpPr>
-      <p:grpSpPr>
-        <a:xfrm>
-          <a:off x="0" y="0"/>
-          <a:ext cx="0" cy="0"/>
-          <a:chOff x="0" y="0"/>
-          <a:chExt cx="0" cy="0"/>
-        </a:xfrm>
-      </p:grpSpPr>
-      <p:sp>
-        <p:nvSpPr>
           <p:cNvPr id="2" name="文本框 1">
             <a:extLst>
               <a:ext uri="{FF2B5EF4-FFF2-40B4-BE49-F238E27FC236}">
@@ -3824,8 +3736,8 @@
         </p:nvSpPr>
         <p:spPr>
           <a:xfrm>
-            <a:off x="3928145" y="2875002"/>
-            <a:ext cx="4335710" cy="1107996"/>
+            <a:off x="4157856" y="2875002"/>
+            <a:ext cx="3876288" cy="1107996"/>
           </a:xfrm>
           <a:prstGeom prst="rect">
             <a:avLst/>
@@ -3839,11 +3751,11 @@
           <a:lstStyle/>
           <a:p>
             <a:r>
-              <a:rPr lang="zh-CN" altLang="en-US" sz="6600" dirty="0">
-                <a:latin typeface="微软雅黑" panose="020B0503020204020204" pitchFamily="34" charset="-122"/>
-                <a:ea typeface="微软雅黑" panose="020B0503020204020204" pitchFamily="34" charset="-122"/>
-              </a:rPr>
-              <a:t>感 谢 聆 听</a:t>
+              <a:rPr lang="zh-CN" altLang="en-US" sz="6600" spc="600" dirty="0">
+                <a:latin typeface="微软雅黑" panose="020B0503020204020204" pitchFamily="34" charset="-122"/>
+                <a:ea typeface="微软雅黑" panose="020B0503020204020204" pitchFamily="34" charset="-122"/>
+              </a:rPr>
+              <a:t>感谢聆听</a:t>
             </a:r>
           </a:p>
         </p:txBody>
@@ -3896,8 +3808,8 @@
         </p:nvSpPr>
         <p:spPr>
           <a:xfrm>
-            <a:off x="586531" y="331569"/>
-            <a:ext cx="10515600" cy="1325563"/>
+            <a:off x="5233775" y="878629"/>
+            <a:ext cx="1724450" cy="1325563"/>
           </a:xfrm>
         </p:spPr>
         <p:txBody>
@@ -3907,11 +3819,11 @@
           <a:lstStyle/>
           <a:p>
             <a:r>
-              <a:rPr lang="zh-CN" altLang="en-US" sz="5400" dirty="0">
-                <a:latin typeface="微软雅黑" panose="020B0503020204020204" pitchFamily="34" charset="-122"/>
-                <a:ea typeface="微软雅黑" panose="020B0503020204020204" pitchFamily="34" charset="-122"/>
-              </a:rPr>
-              <a:t>目 录</a:t>
+              <a:rPr lang="zh-CN" altLang="en-US" sz="5400" spc="600" dirty="0">
+                <a:latin typeface="微软雅黑" panose="020B0503020204020204" pitchFamily="34" charset="-122"/>
+                <a:ea typeface="微软雅黑" panose="020B0503020204020204" pitchFamily="34" charset="-122"/>
+              </a:rPr>
+              <a:t>目录</a:t>
             </a:r>
           </a:p>
         </p:txBody>
@@ -3932,17 +3844,72 @@
             <p:ph idx="1"/>
           </p:nvPr>
         </p:nvSpPr>
-        <p:spPr/>
+        <p:spPr>
+          <a:xfrm>
+            <a:off x="2599536" y="2541087"/>
+            <a:ext cx="3411771" cy="2650602"/>
+          </a:xfrm>
+        </p:spPr>
         <p:txBody>
           <a:bodyPr/>
           <a:lstStyle/>
           <a:p>
+            <a:pPr marL="0" indent="0">
+              <a:buNone/>
+            </a:pPr>
+            <a:r>
+              <a:rPr lang="en-US" altLang="zh-CN" sz="5400" dirty="0">
+                <a:latin typeface="Brush Script MT" panose="03060802040406070304" pitchFamily="66" charset="0"/>
+                <a:ea typeface="微软雅黑" panose="020B0503020204020204" pitchFamily="34" charset="-122"/>
+              </a:rPr>
+              <a:t>01</a:t>
+            </a:r>
+            <a:r>
+              <a:rPr lang="en-US" altLang="zh-CN" dirty="0">
+                <a:latin typeface="微软雅黑" panose="020B0503020204020204" pitchFamily="34" charset="-122"/>
+                <a:ea typeface="微软雅黑" panose="020B0503020204020204" pitchFamily="34" charset="-122"/>
+              </a:rPr>
+              <a:t>    </a:t>
+            </a:r>
             <a:r>
               <a:rPr lang="zh-CN" altLang="en-US" dirty="0">
                 <a:latin typeface="微软雅黑" panose="020B0503020204020204" pitchFamily="34" charset="-122"/>
                 <a:ea typeface="微软雅黑" panose="020B0503020204020204" pitchFamily="34" charset="-122"/>
               </a:rPr>
               <a:t>项目分工</a:t>
+            </a:r>
+            <a:r>
+              <a:rPr lang="en-US" altLang="zh-CN" dirty="0">
+                <a:latin typeface="微软雅黑" panose="020B0503020204020204" pitchFamily="34" charset="-122"/>
+                <a:ea typeface="微软雅黑" panose="020B0503020204020204" pitchFamily="34" charset="-122"/>
+              </a:rPr>
+              <a:t>     </a:t>
+            </a:r>
+          </a:p>
+          <a:p>
+            <a:pPr marL="0" indent="0">
+              <a:buNone/>
+            </a:pPr>
+            <a:r>
+              <a:rPr lang="en-US" altLang="zh-CN" sz="5400" dirty="0">
+                <a:latin typeface="Brush Script MT" panose="03060802040406070304" pitchFamily="66" charset="0"/>
+                <a:ea typeface="微软雅黑" panose="020B0503020204020204" pitchFamily="34" charset="-122"/>
+              </a:rPr>
+              <a:t>02</a:t>
+            </a:r>
+            <a:r>
+              <a:rPr lang="en-US" altLang="zh-CN" dirty="0">
+                <a:latin typeface="微软雅黑" panose="020B0503020204020204" pitchFamily="34" charset="-122"/>
+                <a:ea typeface="微软雅黑" panose="020B0503020204020204" pitchFamily="34" charset="-122"/>
+              </a:rPr>
+              <a:t>   </a:t>
+            </a:r>
+            <a:r>
+              <a:rPr lang="zh-CN" altLang="en-US" dirty="0">
+                <a:latin typeface="微软雅黑" panose="020B0503020204020204" pitchFamily="34" charset="-122"/>
+                <a:ea typeface="微软雅黑" panose="020B0503020204020204" pitchFamily="34" charset="-122"/>
+              </a:rPr>
+              <a:t>数字水印简介</a:t>
             </a:r>
             <a:endParaRPr lang="en-US" altLang="zh-CN" dirty="0">
               <a:latin typeface="微软雅黑" panose="020B0503020204020204" pitchFamily="34" charset="-122"/>
@@ -3950,12 +3917,292 @@
             </a:endParaRPr>
           </a:p>
           <a:p>
+            <a:pPr marL="0" indent="0">
+              <a:buNone/>
+            </a:pPr>
+            <a:r>
+              <a:rPr lang="en-US" altLang="zh-CN" sz="5400" dirty="0">
+                <a:latin typeface="Brush Script MT" panose="03060802040406070304" pitchFamily="66" charset="0"/>
+                <a:ea typeface="微软雅黑" panose="020B0503020204020204" pitchFamily="34" charset="-122"/>
+              </a:rPr>
+              <a:t>03</a:t>
+            </a:r>
+            <a:r>
+              <a:rPr lang="en-US" altLang="zh-CN" dirty="0">
+                <a:latin typeface="微软雅黑" panose="020B0503020204020204" pitchFamily="34" charset="-122"/>
+                <a:ea typeface="微软雅黑" panose="020B0503020204020204" pitchFamily="34" charset="-122"/>
+              </a:rPr>
+              <a:t>   </a:t>
+            </a:r>
             <a:r>
               <a:rPr lang="zh-CN" altLang="en-US" dirty="0">
                 <a:latin typeface="微软雅黑" panose="020B0503020204020204" pitchFamily="34" charset="-122"/>
                 <a:ea typeface="微软雅黑" panose="020B0503020204020204" pitchFamily="34" charset="-122"/>
               </a:rPr>
-              <a:t>数字水印简介</a:t>
+              <a:t>数字水印算法</a:t>
+            </a:r>
+          </a:p>
+        </p:txBody>
+      </p:sp>
+      <p:cxnSp>
+        <p:nvCxnSpPr>
+          <p:cNvPr id="4" name="直接连接符 3">
+            <a:extLst>
+              <a:ext uri="{FF2B5EF4-FFF2-40B4-BE49-F238E27FC236}">
+                <a16:creationId xmlns:a16="http://schemas.microsoft.com/office/drawing/2014/main" id="{3767E6B6-93FE-4D65-8F55-01CF382200E9}"/>
+              </a:ext>
+            </a:extLst>
+          </p:cNvPr>
+          <p:cNvCxnSpPr>
+            <a:cxnSpLocks/>
+          </p:cNvCxnSpPr>
+          <p:nvPr/>
+        </p:nvCxnSpPr>
+        <p:spPr>
+          <a:xfrm>
+            <a:off x="3387746" y="2009350"/>
+            <a:ext cx="5416508" cy="0"/>
+          </a:xfrm>
+          <a:prstGeom prst="line">
+            <a:avLst/>
+          </a:prstGeom>
+          <a:ln w="19050">
+            <a:solidFill>
+              <a:schemeClr val="tx1"/>
+            </a:solidFill>
+          </a:ln>
+        </p:spPr>
+        <p:style>
+          <a:lnRef idx="1">
+            <a:schemeClr val="accent1"/>
+          </a:lnRef>
+          <a:fillRef idx="0">
+            <a:schemeClr val="accent1"/>
+          </a:fillRef>
+          <a:effectRef idx="0">
+            <a:schemeClr val="accent1"/>
+          </a:effectRef>
+          <a:fontRef idx="minor">
+            <a:schemeClr val="tx1"/>
+          </a:fontRef>
+        </p:style>
+      </p:cxnSp>
+      <p:sp>
+        <p:nvSpPr>
+          <p:cNvPr id="7" name="内容占位符 2">
+            <a:extLst>
+              <a:ext uri="{FF2B5EF4-FFF2-40B4-BE49-F238E27FC236}">
+                <a16:creationId xmlns:a16="http://schemas.microsoft.com/office/drawing/2014/main" id="{97B4F5AE-BDD0-4C9A-A992-46210411E090}"/>
+              </a:ext>
+            </a:extLst>
+          </p:cNvPr>
+          <p:cNvSpPr txBox="1">
+            <a:spLocks/>
+          </p:cNvSpPr>
+          <p:nvPr/>
+        </p:nvSpPr>
+        <p:spPr>
+          <a:xfrm>
+            <a:off x="6815289" y="2541087"/>
+            <a:ext cx="2777175" cy="2868737"/>
+          </a:xfrm>
+          <a:prstGeom prst="rect">
+            <a:avLst/>
+          </a:prstGeom>
+        </p:spPr>
+        <p:txBody>
+          <a:bodyPr vert="horz" lIns="91440" tIns="45720" rIns="91440" bIns="45720" rtlCol="0">
+            <a:normAutofit/>
+          </a:bodyPr>
+          <a:lstStyle>
+            <a:lvl1pPr marL="228600" indent="-228600" algn="l" defTabSz="914400" rtl="0" eaLnBrk="1" latinLnBrk="0" hangingPunct="1">
+              <a:lnSpc>
+                <a:spcPct val="90000"/>
+              </a:lnSpc>
+              <a:spcBef>
+                <a:spcPts val="1000"/>
+              </a:spcBef>
+              <a:buFont typeface="Arial" panose="020B0604020202020204" pitchFamily="34" charset="0"/>
+              <a:buChar char="•"/>
+              <a:defRPr sz="2800" kern="1200">
+                <a:solidFill>
+                  <a:schemeClr val="tx1"/>
+                </a:solidFill>
+                <a:latin typeface="+mn-lt"/>
+                <a:ea typeface="+mn-ea"/>
+                <a:cs typeface="+mn-cs"/>
+              </a:defRPr>
+            </a:lvl1pPr>
+            <a:lvl2pPr marL="685800" indent="-228600" algn="l" defTabSz="914400" rtl="0" eaLnBrk="1" latinLnBrk="0" hangingPunct="1">
+              <a:lnSpc>
+                <a:spcPct val="90000"/>
+              </a:lnSpc>
+              <a:spcBef>
+                <a:spcPts val="500"/>
+              </a:spcBef>
+              <a:buFont typeface="Arial" panose="020B0604020202020204" pitchFamily="34" charset="0"/>
+              <a:buChar char="•"/>
+              <a:defRPr sz="2400" kern="1200">
+                <a:solidFill>
+                  <a:schemeClr val="tx1"/>
+                </a:solidFill>
+                <a:latin typeface="+mn-lt"/>
+                <a:ea typeface="+mn-ea"/>
+                <a:cs typeface="+mn-cs"/>
+              </a:defRPr>
+            </a:lvl2pPr>
+            <a:lvl3pPr marL="1143000" indent="-228600" algn="l" defTabSz="914400" rtl="0" eaLnBrk="1" latinLnBrk="0" hangingPunct="1">
+              <a:lnSpc>
+                <a:spcPct val="90000"/>
+              </a:lnSpc>
+              <a:spcBef>
+                <a:spcPts val="500"/>
+              </a:spcBef>
+              <a:buFont typeface="Arial" panose="020B0604020202020204" pitchFamily="34" charset="0"/>
+              <a:buChar char="•"/>
+              <a:defRPr sz="2000" kern="1200">
+                <a:solidFill>
+                  <a:schemeClr val="tx1"/>
+                </a:solidFill>
+                <a:latin typeface="+mn-lt"/>
+                <a:ea typeface="+mn-ea"/>
+                <a:cs typeface="+mn-cs"/>
+              </a:defRPr>
+            </a:lvl3pPr>
+            <a:lvl4pPr marL="1600200" indent="-228600" algn="l" defTabSz="914400" rtl="0" eaLnBrk="1" latinLnBrk="0" hangingPunct="1">
+              <a:lnSpc>
+                <a:spcPct val="90000"/>
+              </a:lnSpc>
+              <a:spcBef>
+                <a:spcPts val="500"/>
+              </a:spcBef>
+              <a:buFont typeface="Arial" panose="020B0604020202020204" pitchFamily="34" charset="0"/>
+              <a:buChar char="•"/>
+              <a:defRPr sz="1800" kern="1200">
+                <a:solidFill>
+                  <a:schemeClr val="tx1"/>
+                </a:solidFill>
+                <a:latin typeface="+mn-lt"/>
+                <a:ea typeface="+mn-ea"/>
+                <a:cs typeface="+mn-cs"/>
+              </a:defRPr>
+            </a:lvl4pPr>
+            <a:lvl5pPr marL="2057400" indent="-228600" algn="l" defTabSz="914400" rtl="0" eaLnBrk="1" latinLnBrk="0" hangingPunct="1">
+              <a:lnSpc>
+                <a:spcPct val="90000"/>
+              </a:lnSpc>
+              <a:spcBef>
+                <a:spcPts val="500"/>
+              </a:spcBef>
+              <a:buFont typeface="Arial" panose="020B0604020202020204" pitchFamily="34" charset="0"/>
+              <a:buChar char="•"/>
+              <a:defRPr sz="1800" kern="1200">
+                <a:solidFill>
+                  <a:schemeClr val="tx1"/>
+                </a:solidFill>
+                <a:latin typeface="+mn-lt"/>
+                <a:ea typeface="+mn-ea"/>
+                <a:cs typeface="+mn-cs"/>
+              </a:defRPr>
+            </a:lvl5pPr>
+            <a:lvl6pPr marL="2514600" indent="-228600" algn="l" defTabSz="914400" rtl="0" eaLnBrk="1" latinLnBrk="0" hangingPunct="1">
+              <a:lnSpc>
+                <a:spcPct val="90000"/>
+              </a:lnSpc>
+              <a:spcBef>
+                <a:spcPts val="500"/>
+              </a:spcBef>
+              <a:buFont typeface="Arial" panose="020B0604020202020204" pitchFamily="34" charset="0"/>
+              <a:buChar char="•"/>
+              <a:defRPr sz="1800" kern="1200">
+                <a:solidFill>
+                  <a:schemeClr val="tx1"/>
+                </a:solidFill>
+                <a:latin typeface="+mn-lt"/>
+                <a:ea typeface="+mn-ea"/>
+                <a:cs typeface="+mn-cs"/>
+              </a:defRPr>
+            </a:lvl6pPr>
+            <a:lvl7pPr marL="2971800" indent="-228600" algn="l" defTabSz="914400" rtl="0" eaLnBrk="1" latinLnBrk="0" hangingPunct="1">
+              <a:lnSpc>
+                <a:spcPct val="90000"/>
+              </a:lnSpc>
+              <a:spcBef>
+                <a:spcPts val="500"/>
+              </a:spcBef>
+              <a:buFont typeface="Arial" panose="020B0604020202020204" pitchFamily="34" charset="0"/>
+              <a:buChar char="•"/>
+              <a:defRPr sz="1800" kern="1200">
+                <a:solidFill>
+                  <a:schemeClr val="tx1"/>
+                </a:solidFill>
+                <a:latin typeface="+mn-lt"/>
+                <a:ea typeface="+mn-ea"/>
+                <a:cs typeface="+mn-cs"/>
+              </a:defRPr>
+            </a:lvl7pPr>
+            <a:lvl8pPr marL="3429000" indent="-228600" algn="l" defTabSz="914400" rtl="0" eaLnBrk="1" latinLnBrk="0" hangingPunct="1">
+              <a:lnSpc>
+                <a:spcPct val="90000"/>
+              </a:lnSpc>
+              <a:spcBef>
+                <a:spcPts val="500"/>
+              </a:spcBef>
+              <a:buFont typeface="Arial" panose="020B0604020202020204" pitchFamily="34" charset="0"/>
+              <a:buChar char="•"/>
+              <a:defRPr sz="1800" kern="1200">
+                <a:solidFill>
+                  <a:schemeClr val="tx1"/>
+                </a:solidFill>
+                <a:latin typeface="+mn-lt"/>
+                <a:ea typeface="+mn-ea"/>
+                <a:cs typeface="+mn-cs"/>
+              </a:defRPr>
+            </a:lvl8pPr>
+            <a:lvl9pPr marL="3886200" indent="-228600" algn="l" defTabSz="914400" rtl="0" eaLnBrk="1" latinLnBrk="0" hangingPunct="1">
+              <a:lnSpc>
+                <a:spcPct val="90000"/>
+              </a:lnSpc>
+              <a:spcBef>
+                <a:spcPts val="500"/>
+              </a:spcBef>
+              <a:buFont typeface="Arial" panose="020B0604020202020204" pitchFamily="34" charset="0"/>
+              <a:buChar char="•"/>
+              <a:defRPr sz="1800" kern="1200">
+                <a:solidFill>
+                  <a:schemeClr val="tx1"/>
+                </a:solidFill>
+                <a:latin typeface="+mn-lt"/>
+                <a:ea typeface="+mn-ea"/>
+                <a:cs typeface="+mn-cs"/>
+              </a:defRPr>
+            </a:lvl9pPr>
+          </a:lstStyle>
+          <a:p>
+            <a:pPr marL="0" indent="0">
+              <a:buFont typeface="Arial" panose="020B0604020202020204" pitchFamily="34" charset="0"/>
+              <a:buNone/>
+            </a:pPr>
+            <a:r>
+              <a:rPr lang="en-US" altLang="zh-CN" sz="5400" dirty="0">
+                <a:latin typeface="Brush Script MT" panose="03060802040406070304" pitchFamily="66" charset="0"/>
+                <a:ea typeface="微软雅黑" panose="020B0503020204020204" pitchFamily="34" charset="-122"/>
+              </a:rPr>
+              <a:t>04</a:t>
+            </a:r>
+            <a:r>
+              <a:rPr lang="en-US" altLang="zh-CN" dirty="0">
+                <a:latin typeface="微软雅黑" panose="020B0503020204020204" pitchFamily="34" charset="-122"/>
+                <a:ea typeface="微软雅黑" panose="020B0503020204020204" pitchFamily="34" charset="-122"/>
+              </a:rPr>
+              <a:t>   </a:t>
+            </a:r>
+            <a:r>
+              <a:rPr lang="zh-CN" altLang="en-US" dirty="0">
+                <a:latin typeface="微软雅黑" panose="020B0503020204020204" pitchFamily="34" charset="-122"/>
+                <a:ea typeface="微软雅黑" panose="020B0503020204020204" pitchFamily="34" charset="-122"/>
+              </a:rPr>
+              <a:t>项目架构</a:t>
             </a:r>
             <a:endParaRPr lang="en-US" altLang="zh-CN" dirty="0">
               <a:latin typeface="微软雅黑" panose="020B0503020204020204" pitchFamily="34" charset="-122"/>
@@ -3963,32 +4210,24 @@
             </a:endParaRPr>
           </a:p>
           <a:p>
-            <a:r>
-              <a:rPr lang="zh-CN" altLang="en-US" dirty="0">
-                <a:latin typeface="微软雅黑" panose="020B0503020204020204" pitchFamily="34" charset="-122"/>
-                <a:ea typeface="微软雅黑" panose="020B0503020204020204" pitchFamily="34" charset="-122"/>
-              </a:rPr>
-              <a:t>数字水印算法</a:t>
-            </a:r>
-            <a:endParaRPr lang="en-US" altLang="zh-CN" dirty="0">
-              <a:latin typeface="微软雅黑" panose="020B0503020204020204" pitchFamily="34" charset="-122"/>
-              <a:ea typeface="微软雅黑" panose="020B0503020204020204" pitchFamily="34" charset="-122"/>
-            </a:endParaRPr>
-          </a:p>
-          <a:p>
-            <a:r>
-              <a:rPr lang="zh-CN" altLang="en-US" dirty="0">
-                <a:latin typeface="微软雅黑" panose="020B0503020204020204" pitchFamily="34" charset="-122"/>
-                <a:ea typeface="微软雅黑" panose="020B0503020204020204" pitchFamily="34" charset="-122"/>
-              </a:rPr>
-              <a:t>项目架构</a:t>
-            </a:r>
-            <a:endParaRPr lang="en-US" altLang="zh-CN" dirty="0">
-              <a:latin typeface="微软雅黑" panose="020B0503020204020204" pitchFamily="34" charset="-122"/>
-              <a:ea typeface="微软雅黑" panose="020B0503020204020204" pitchFamily="34" charset="-122"/>
-            </a:endParaRPr>
-          </a:p>
-          <a:p>
+            <a:pPr marL="0" indent="0">
+              <a:buFont typeface="Arial" panose="020B0604020202020204" pitchFamily="34" charset="0"/>
+              <a:buNone/>
+            </a:pPr>
+            <a:r>
+              <a:rPr lang="en-US" altLang="zh-CN" sz="5400" dirty="0">
+                <a:latin typeface="Brush Script MT" panose="03060802040406070304" pitchFamily="66" charset="0"/>
+                <a:ea typeface="微软雅黑" panose="020B0503020204020204" pitchFamily="34" charset="-122"/>
+              </a:rPr>
+              <a:t>05</a:t>
+            </a:r>
+            <a:r>
+              <a:rPr lang="en-US" altLang="zh-CN" dirty="0">
+                <a:latin typeface="微软雅黑" panose="020B0503020204020204" pitchFamily="34" charset="-122"/>
+                <a:ea typeface="微软雅黑" panose="020B0503020204020204" pitchFamily="34" charset="-122"/>
+              </a:rPr>
+              <a:t>   </a:t>
+            </a:r>
             <a:r>
               <a:rPr lang="zh-CN" altLang="en-US" dirty="0">
                 <a:latin typeface="微软雅黑" panose="020B0503020204020204" pitchFamily="34" charset="-122"/>
@@ -4045,7 +4284,12 @@
             <p:ph type="title"/>
           </p:nvPr>
         </p:nvSpPr>
-        <p:spPr/>
+        <p:spPr>
+          <a:xfrm>
+            <a:off x="0" y="0"/>
+            <a:ext cx="2457814" cy="1325563"/>
+          </a:xfrm>
+        </p:spPr>
         <p:txBody>
           <a:bodyPr/>
           <a:lstStyle/>
@@ -4078,38 +4322,481 @@
         </p:nvSpPr>
         <p:spPr>
           <a:xfrm>
-            <a:off x="838200" y="2597412"/>
-            <a:ext cx="10864442" cy="4351338"/>
-          </a:xfrm>
-        </p:spPr>
-        <p:txBody>
-          <a:bodyPr/>
-          <a:lstStyle/>
-          <a:p>
+            <a:off x="2417045" y="2023542"/>
+            <a:ext cx="3850770" cy="5815836"/>
+          </a:xfrm>
+        </p:spPr>
+        <p:txBody>
+          <a:bodyPr>
+            <a:normAutofit/>
+          </a:bodyPr>
+          <a:lstStyle/>
+          <a:p>
+            <a:pPr marL="0" indent="0">
+              <a:lnSpc>
+                <a:spcPct val="160000"/>
+              </a:lnSpc>
+              <a:buNone/>
+            </a:pPr>
+            <a:r>
+              <a:rPr lang="zh-CN" altLang="en-US" sz="3200" dirty="0">
+                <a:latin typeface="微软雅黑" panose="020B0503020204020204" pitchFamily="34" charset="-122"/>
+                <a:ea typeface="微软雅黑" panose="020B0503020204020204" pitchFamily="34" charset="-122"/>
+              </a:rPr>
+              <a:t>王浩</a:t>
+            </a:r>
+            <a:endParaRPr lang="en-US" altLang="zh-CN" sz="3200" dirty="0">
+              <a:latin typeface="微软雅黑" panose="020B0503020204020204" pitchFamily="34" charset="-122"/>
+              <a:ea typeface="微软雅黑" panose="020B0503020204020204" pitchFamily="34" charset="-122"/>
+            </a:endParaRPr>
+          </a:p>
+          <a:p>
+            <a:pPr>
+              <a:buFont typeface="Wingdings" panose="05000000000000000000" pitchFamily="2" charset="2"/>
+              <a:buChar char="Ø"/>
+            </a:pPr>
             <a:r>
               <a:rPr lang="zh-CN" altLang="en-US" dirty="0">
                 <a:latin typeface="微软雅黑" panose="020B0503020204020204" pitchFamily="34" charset="-122"/>
                 <a:ea typeface="微软雅黑" panose="020B0503020204020204" pitchFamily="34" charset="-122"/>
               </a:rPr>
-              <a:t>人员          分工</a:t>
-            </a:r>
-          </a:p>
-          <a:p>
+              <a:t>置乱算法实现</a:t>
+            </a:r>
+            <a:endParaRPr lang="en-US" altLang="zh-CN" dirty="0">
+              <a:latin typeface="微软雅黑" panose="020B0503020204020204" pitchFamily="34" charset="-122"/>
+              <a:ea typeface="微软雅黑" panose="020B0503020204020204" pitchFamily="34" charset="-122"/>
+            </a:endParaRPr>
+          </a:p>
+          <a:p>
+            <a:pPr>
+              <a:buFont typeface="Wingdings" panose="05000000000000000000" pitchFamily="2" charset="2"/>
+              <a:buChar char="Ø"/>
+            </a:pPr>
             <a:r>
               <a:rPr lang="zh-CN" altLang="en-US" dirty="0">
                 <a:latin typeface="微软雅黑" panose="020B0503020204020204" pitchFamily="34" charset="-122"/>
                 <a:ea typeface="微软雅黑" panose="020B0503020204020204" pitchFamily="34" charset="-122"/>
               </a:rPr>
-              <a:t>王浩	后端接口和前端实现、项目管理、文档撰写、项目部署</a:t>
-            </a:r>
-          </a:p>
-          <a:p>
+              <a:t>后端接口开发</a:t>
+            </a:r>
+            <a:endParaRPr lang="en-US" altLang="zh-CN" dirty="0">
+              <a:latin typeface="微软雅黑" panose="020B0503020204020204" pitchFamily="34" charset="-122"/>
+              <a:ea typeface="微软雅黑" panose="020B0503020204020204" pitchFamily="34" charset="-122"/>
+            </a:endParaRPr>
+          </a:p>
+          <a:p>
+            <a:pPr>
+              <a:buFont typeface="Wingdings" panose="05000000000000000000" pitchFamily="2" charset="2"/>
+              <a:buChar char="Ø"/>
+            </a:pPr>
             <a:r>
               <a:rPr lang="zh-CN" altLang="en-US" dirty="0">
                 <a:latin typeface="微软雅黑" panose="020B0503020204020204" pitchFamily="34" charset="-122"/>
                 <a:ea typeface="微软雅黑" panose="020B0503020204020204" pitchFamily="34" charset="-122"/>
               </a:rPr>
-              <a:t>李涵威	数字水印算法开发、文献查找、接口调试、文档撰写</a:t>
+              <a:t>前端界面开发</a:t>
+            </a:r>
+            <a:endParaRPr lang="en-US" altLang="zh-CN" dirty="0">
+              <a:latin typeface="微软雅黑" panose="020B0503020204020204" pitchFamily="34" charset="-122"/>
+              <a:ea typeface="微软雅黑" panose="020B0503020204020204" pitchFamily="34" charset="-122"/>
+            </a:endParaRPr>
+          </a:p>
+          <a:p>
+            <a:pPr>
+              <a:buFont typeface="Wingdings" panose="05000000000000000000" pitchFamily="2" charset="2"/>
+              <a:buChar char="Ø"/>
+            </a:pPr>
+            <a:r>
+              <a:rPr lang="zh-CN" altLang="en-US" dirty="0">
+                <a:latin typeface="微软雅黑" panose="020B0503020204020204" pitchFamily="34" charset="-122"/>
+                <a:ea typeface="微软雅黑" panose="020B0503020204020204" pitchFamily="34" charset="-122"/>
+              </a:rPr>
+              <a:t>文档撰写</a:t>
+            </a:r>
+            <a:endParaRPr lang="en-US" altLang="zh-CN" dirty="0">
+              <a:latin typeface="微软雅黑" panose="020B0503020204020204" pitchFamily="34" charset="-122"/>
+              <a:ea typeface="微软雅黑" panose="020B0503020204020204" pitchFamily="34" charset="-122"/>
+            </a:endParaRPr>
+          </a:p>
+          <a:p>
+            <a:pPr>
+              <a:buFont typeface="Wingdings" panose="05000000000000000000" pitchFamily="2" charset="2"/>
+              <a:buChar char="Ø"/>
+            </a:pPr>
+            <a:r>
+              <a:rPr lang="zh-CN" altLang="en-US" dirty="0">
+                <a:latin typeface="微软雅黑" panose="020B0503020204020204" pitchFamily="34" charset="-122"/>
+                <a:ea typeface="微软雅黑" panose="020B0503020204020204" pitchFamily="34" charset="-122"/>
+              </a:rPr>
+              <a:t>项目部署</a:t>
+            </a:r>
+          </a:p>
+        </p:txBody>
+      </p:sp>
+      <p:cxnSp>
+        <p:nvCxnSpPr>
+          <p:cNvPr id="4" name="直接连接符 3">
+            <a:extLst>
+              <a:ext uri="{FF2B5EF4-FFF2-40B4-BE49-F238E27FC236}">
+                <a16:creationId xmlns:a16="http://schemas.microsoft.com/office/drawing/2014/main" id="{C806E374-B882-4208-9F8D-076DF56C608A}"/>
+              </a:ext>
+            </a:extLst>
+          </p:cNvPr>
+          <p:cNvCxnSpPr>
+            <a:cxnSpLocks/>
+          </p:cNvCxnSpPr>
+          <p:nvPr/>
+        </p:nvCxnSpPr>
+        <p:spPr>
+          <a:xfrm>
+            <a:off x="0" y="1048358"/>
+            <a:ext cx="2417045" cy="0"/>
+          </a:xfrm>
+          <a:prstGeom prst="line">
+            <a:avLst/>
+          </a:prstGeom>
+          <a:ln w="19050">
+            <a:solidFill>
+              <a:schemeClr val="tx1"/>
+            </a:solidFill>
+          </a:ln>
+        </p:spPr>
+        <p:style>
+          <a:lnRef idx="1">
+            <a:schemeClr val="accent1"/>
+          </a:lnRef>
+          <a:fillRef idx="0">
+            <a:schemeClr val="accent1"/>
+          </a:fillRef>
+          <a:effectRef idx="0">
+            <a:schemeClr val="accent1"/>
+          </a:effectRef>
+          <a:fontRef idx="minor">
+            <a:schemeClr val="tx1"/>
+          </a:fontRef>
+        </p:style>
+      </p:cxnSp>
+      <p:sp>
+        <p:nvSpPr>
+          <p:cNvPr id="6" name="内容占位符 2">
+            <a:extLst>
+              <a:ext uri="{FF2B5EF4-FFF2-40B4-BE49-F238E27FC236}">
+                <a16:creationId xmlns:a16="http://schemas.microsoft.com/office/drawing/2014/main" id="{A5776B14-F15F-48E1-B586-FB2F696EE705}"/>
+              </a:ext>
+            </a:extLst>
+          </p:cNvPr>
+          <p:cNvSpPr txBox="1">
+            <a:spLocks/>
+          </p:cNvSpPr>
+          <p:nvPr/>
+        </p:nvSpPr>
+        <p:spPr>
+          <a:xfrm>
+            <a:off x="6267815" y="2023542"/>
+            <a:ext cx="4093930" cy="5151875"/>
+          </a:xfrm>
+          <a:prstGeom prst="rect">
+            <a:avLst/>
+          </a:prstGeom>
+        </p:spPr>
+        <p:txBody>
+          <a:bodyPr vert="horz" lIns="91440" tIns="45720" rIns="91440" bIns="45720" rtlCol="0">
+            <a:normAutofit/>
+          </a:bodyPr>
+          <a:lstStyle>
+            <a:lvl1pPr marL="228600" indent="-228600" algn="l" defTabSz="914400" rtl="0" eaLnBrk="1" latinLnBrk="0" hangingPunct="1">
+              <a:lnSpc>
+                <a:spcPct val="90000"/>
+              </a:lnSpc>
+              <a:spcBef>
+                <a:spcPts val="1000"/>
+              </a:spcBef>
+              <a:buFont typeface="Arial" panose="020B0604020202020204" pitchFamily="34" charset="0"/>
+              <a:buChar char="•"/>
+              <a:defRPr sz="2800" kern="1200">
+                <a:solidFill>
+                  <a:schemeClr val="tx1"/>
+                </a:solidFill>
+                <a:latin typeface="+mn-lt"/>
+                <a:ea typeface="+mn-ea"/>
+                <a:cs typeface="+mn-cs"/>
+              </a:defRPr>
+            </a:lvl1pPr>
+            <a:lvl2pPr marL="685800" indent="-228600" algn="l" defTabSz="914400" rtl="0" eaLnBrk="1" latinLnBrk="0" hangingPunct="1">
+              <a:lnSpc>
+                <a:spcPct val="90000"/>
+              </a:lnSpc>
+              <a:spcBef>
+                <a:spcPts val="500"/>
+              </a:spcBef>
+              <a:buFont typeface="Arial" panose="020B0604020202020204" pitchFamily="34" charset="0"/>
+              <a:buChar char="•"/>
+              <a:defRPr sz="2400" kern="1200">
+                <a:solidFill>
+                  <a:schemeClr val="tx1"/>
+                </a:solidFill>
+                <a:latin typeface="+mn-lt"/>
+                <a:ea typeface="+mn-ea"/>
+                <a:cs typeface="+mn-cs"/>
+              </a:defRPr>
+            </a:lvl2pPr>
+            <a:lvl3pPr marL="1143000" indent="-228600" algn="l" defTabSz="914400" rtl="0" eaLnBrk="1" latinLnBrk="0" hangingPunct="1">
+              <a:lnSpc>
+                <a:spcPct val="90000"/>
+              </a:lnSpc>
+              <a:spcBef>
+                <a:spcPts val="500"/>
+              </a:spcBef>
+              <a:buFont typeface="Arial" panose="020B0604020202020204" pitchFamily="34" charset="0"/>
+              <a:buChar char="•"/>
+              <a:defRPr sz="2000" kern="1200">
+                <a:solidFill>
+                  <a:schemeClr val="tx1"/>
+                </a:solidFill>
+                <a:latin typeface="+mn-lt"/>
+                <a:ea typeface="+mn-ea"/>
+                <a:cs typeface="+mn-cs"/>
+              </a:defRPr>
+            </a:lvl3pPr>
+            <a:lvl4pPr marL="1600200" indent="-228600" algn="l" defTabSz="914400" rtl="0" eaLnBrk="1" latinLnBrk="0" hangingPunct="1">
+              <a:lnSpc>
+                <a:spcPct val="90000"/>
+              </a:lnSpc>
+              <a:spcBef>
+                <a:spcPts val="500"/>
+              </a:spcBef>
+              <a:buFont typeface="Arial" panose="020B0604020202020204" pitchFamily="34" charset="0"/>
+              <a:buChar char="•"/>
+              <a:defRPr sz="1800" kern="1200">
+                <a:solidFill>
+                  <a:schemeClr val="tx1"/>
+                </a:solidFill>
+                <a:latin typeface="+mn-lt"/>
+                <a:ea typeface="+mn-ea"/>
+                <a:cs typeface="+mn-cs"/>
+              </a:defRPr>
+            </a:lvl4pPr>
+            <a:lvl5pPr marL="2057400" indent="-228600" algn="l" defTabSz="914400" rtl="0" eaLnBrk="1" latinLnBrk="0" hangingPunct="1">
+              <a:lnSpc>
+                <a:spcPct val="90000"/>
+              </a:lnSpc>
+              <a:spcBef>
+                <a:spcPts val="500"/>
+              </a:spcBef>
+              <a:buFont typeface="Arial" panose="020B0604020202020204" pitchFamily="34" charset="0"/>
+              <a:buChar char="•"/>
+              <a:defRPr sz="1800" kern="1200">
+                <a:solidFill>
+                  <a:schemeClr val="tx1"/>
+                </a:solidFill>
+                <a:latin typeface="+mn-lt"/>
+                <a:ea typeface="+mn-ea"/>
+                <a:cs typeface="+mn-cs"/>
+              </a:defRPr>
+            </a:lvl5pPr>
+            <a:lvl6pPr marL="2514600" indent="-228600" algn="l" defTabSz="914400" rtl="0" eaLnBrk="1" latinLnBrk="0" hangingPunct="1">
+              <a:lnSpc>
+                <a:spcPct val="90000"/>
+              </a:lnSpc>
+              <a:spcBef>
+                <a:spcPts val="500"/>
+              </a:spcBef>
+              <a:buFont typeface="Arial" panose="020B0604020202020204" pitchFamily="34" charset="0"/>
+              <a:buChar char="•"/>
+              <a:defRPr sz="1800" kern="1200">
+                <a:solidFill>
+                  <a:schemeClr val="tx1"/>
+                </a:solidFill>
+                <a:latin typeface="+mn-lt"/>
+                <a:ea typeface="+mn-ea"/>
+                <a:cs typeface="+mn-cs"/>
+              </a:defRPr>
+            </a:lvl6pPr>
+            <a:lvl7pPr marL="2971800" indent="-228600" algn="l" defTabSz="914400" rtl="0" eaLnBrk="1" latinLnBrk="0" hangingPunct="1">
+              <a:lnSpc>
+                <a:spcPct val="90000"/>
+              </a:lnSpc>
+              <a:spcBef>
+                <a:spcPts val="500"/>
+              </a:spcBef>
+              <a:buFont typeface="Arial" panose="020B0604020202020204" pitchFamily="34" charset="0"/>
+              <a:buChar char="•"/>
+              <a:defRPr sz="1800" kern="1200">
+                <a:solidFill>
+                  <a:schemeClr val="tx1"/>
+                </a:solidFill>
+                <a:latin typeface="+mn-lt"/>
+                <a:ea typeface="+mn-ea"/>
+                <a:cs typeface="+mn-cs"/>
+              </a:defRPr>
+            </a:lvl7pPr>
+            <a:lvl8pPr marL="3429000" indent="-228600" algn="l" defTabSz="914400" rtl="0" eaLnBrk="1" latinLnBrk="0" hangingPunct="1">
+              <a:lnSpc>
+                <a:spcPct val="90000"/>
+              </a:lnSpc>
+              <a:spcBef>
+                <a:spcPts val="500"/>
+              </a:spcBef>
+              <a:buFont typeface="Arial" panose="020B0604020202020204" pitchFamily="34" charset="0"/>
+              <a:buChar char="•"/>
+              <a:defRPr sz="1800" kern="1200">
+                <a:solidFill>
+                  <a:schemeClr val="tx1"/>
+                </a:solidFill>
+                <a:latin typeface="+mn-lt"/>
+                <a:ea typeface="+mn-ea"/>
+                <a:cs typeface="+mn-cs"/>
+              </a:defRPr>
+            </a:lvl8pPr>
+            <a:lvl9pPr marL="3886200" indent="-228600" algn="l" defTabSz="914400" rtl="0" eaLnBrk="1" latinLnBrk="0" hangingPunct="1">
+              <a:lnSpc>
+                <a:spcPct val="90000"/>
+              </a:lnSpc>
+              <a:spcBef>
+                <a:spcPts val="500"/>
+              </a:spcBef>
+              <a:buFont typeface="Arial" panose="020B0604020202020204" pitchFamily="34" charset="0"/>
+              <a:buChar char="•"/>
+              <a:defRPr sz="1800" kern="1200">
+                <a:solidFill>
+                  <a:schemeClr val="tx1"/>
+                </a:solidFill>
+                <a:latin typeface="+mn-lt"/>
+                <a:ea typeface="+mn-ea"/>
+                <a:cs typeface="+mn-cs"/>
+              </a:defRPr>
+            </a:lvl9pPr>
+          </a:lstStyle>
+          <a:p>
+            <a:pPr marL="0" indent="0">
+              <a:lnSpc>
+                <a:spcPct val="150000"/>
+              </a:lnSpc>
+              <a:spcAft>
+                <a:spcPts val="0"/>
+              </a:spcAft>
+              <a:buNone/>
+            </a:pPr>
+            <a:r>
+              <a:rPr lang="zh-CN" altLang="zh-CN" sz="3200" dirty="0">
+                <a:latin typeface="微软雅黑" panose="020B0503020204020204" pitchFamily="34" charset="-122"/>
+                <a:ea typeface="微软雅黑" panose="020B0503020204020204" pitchFamily="34" charset="-122"/>
+              </a:rPr>
+              <a:t>李涵威</a:t>
+            </a:r>
+            <a:endParaRPr lang="en-US" altLang="zh-CN" sz="3200" dirty="0">
+              <a:latin typeface="微软雅黑" panose="020B0503020204020204" pitchFamily="34" charset="-122"/>
+              <a:ea typeface="微软雅黑" panose="020B0503020204020204" pitchFamily="34" charset="-122"/>
+            </a:endParaRPr>
+          </a:p>
+          <a:p>
+            <a:pPr>
+              <a:spcAft>
+                <a:spcPts val="0"/>
+              </a:spcAft>
+              <a:buFont typeface="Wingdings" panose="05000000000000000000" pitchFamily="2" charset="2"/>
+              <a:buChar char="Ø"/>
+            </a:pPr>
+            <a:r>
+              <a:rPr lang="zh-CN" altLang="zh-CN" dirty="0">
+                <a:latin typeface="微软雅黑" panose="020B0503020204020204" pitchFamily="34" charset="-122"/>
+                <a:ea typeface="微软雅黑" panose="020B0503020204020204" pitchFamily="34" charset="-122"/>
+              </a:rPr>
+              <a:t>水印算法</a:t>
+            </a:r>
+            <a:r>
+              <a:rPr lang="zh-CN" altLang="en-US" dirty="0">
+                <a:latin typeface="微软雅黑" panose="020B0503020204020204" pitchFamily="34" charset="-122"/>
+                <a:ea typeface="微软雅黑" panose="020B0503020204020204" pitchFamily="34" charset="-122"/>
+              </a:rPr>
+              <a:t>开发</a:t>
+            </a:r>
+            <a:endParaRPr lang="en-US" altLang="zh-CN" dirty="0">
+              <a:latin typeface="微软雅黑" panose="020B0503020204020204" pitchFamily="34" charset="-122"/>
+              <a:ea typeface="微软雅黑" panose="020B0503020204020204" pitchFamily="34" charset="-122"/>
+            </a:endParaRPr>
+          </a:p>
+          <a:p>
+            <a:pPr>
+              <a:spcAft>
+                <a:spcPts val="0"/>
+              </a:spcAft>
+              <a:buFont typeface="Wingdings" panose="05000000000000000000" pitchFamily="2" charset="2"/>
+              <a:buChar char="Ø"/>
+            </a:pPr>
+            <a:r>
+              <a:rPr lang="zh-CN" altLang="en-US" dirty="0">
+                <a:latin typeface="微软雅黑" panose="020B0503020204020204" pitchFamily="34" charset="-122"/>
+                <a:ea typeface="微软雅黑" panose="020B0503020204020204" pitchFamily="34" charset="-122"/>
+              </a:rPr>
+              <a:t>前端界面开发</a:t>
+            </a:r>
+            <a:endParaRPr lang="en-US" altLang="zh-CN" dirty="0">
+              <a:latin typeface="微软雅黑" panose="020B0503020204020204" pitchFamily="34" charset="-122"/>
+              <a:ea typeface="微软雅黑" panose="020B0503020204020204" pitchFamily="34" charset="-122"/>
+            </a:endParaRPr>
+          </a:p>
+          <a:p>
+            <a:pPr>
+              <a:spcAft>
+                <a:spcPts val="0"/>
+              </a:spcAft>
+              <a:buFont typeface="Wingdings" panose="05000000000000000000" pitchFamily="2" charset="2"/>
+              <a:buChar char="Ø"/>
+            </a:pPr>
+            <a:r>
+              <a:rPr lang="zh-CN" altLang="en-US" dirty="0">
+                <a:latin typeface="微软雅黑" panose="020B0503020204020204" pitchFamily="34" charset="-122"/>
+                <a:ea typeface="微软雅黑" panose="020B0503020204020204" pitchFamily="34" charset="-122"/>
+              </a:rPr>
+              <a:t>查找文献</a:t>
+            </a:r>
+            <a:endParaRPr lang="en-US" altLang="zh-CN" dirty="0">
+              <a:latin typeface="微软雅黑" panose="020B0503020204020204" pitchFamily="34" charset="-122"/>
+              <a:ea typeface="微软雅黑" panose="020B0503020204020204" pitchFamily="34" charset="-122"/>
+            </a:endParaRPr>
+          </a:p>
+          <a:p>
+            <a:pPr>
+              <a:spcAft>
+                <a:spcPts val="0"/>
+              </a:spcAft>
+              <a:buFont typeface="Wingdings" panose="05000000000000000000" pitchFamily="2" charset="2"/>
+              <a:buChar char="Ø"/>
+            </a:pPr>
+            <a:r>
+              <a:rPr lang="zh-CN" altLang="en-US" dirty="0">
+                <a:latin typeface="微软雅黑" panose="020B0503020204020204" pitchFamily="34" charset="-122"/>
+                <a:ea typeface="微软雅黑" panose="020B0503020204020204" pitchFamily="34" charset="-122"/>
+              </a:rPr>
+              <a:t>前后端</a:t>
+            </a:r>
+            <a:r>
+              <a:rPr lang="zh-CN" altLang="zh-CN" dirty="0">
+                <a:latin typeface="微软雅黑" panose="020B0503020204020204" pitchFamily="34" charset="-122"/>
+                <a:ea typeface="微软雅黑" panose="020B0503020204020204" pitchFamily="34" charset="-122"/>
+              </a:rPr>
+              <a:t>接口调试</a:t>
+            </a:r>
+            <a:endParaRPr lang="en-US" altLang="zh-CN" dirty="0">
+              <a:latin typeface="微软雅黑" panose="020B0503020204020204" pitchFamily="34" charset="-122"/>
+              <a:ea typeface="微软雅黑" panose="020B0503020204020204" pitchFamily="34" charset="-122"/>
+            </a:endParaRPr>
+          </a:p>
+          <a:p>
+            <a:pPr>
+              <a:spcAft>
+                <a:spcPts val="0"/>
+              </a:spcAft>
+              <a:buFont typeface="Wingdings" panose="05000000000000000000" pitchFamily="2" charset="2"/>
+              <a:buChar char="Ø"/>
+            </a:pPr>
+            <a:r>
+              <a:rPr lang="zh-CN" altLang="zh-CN" dirty="0">
+                <a:latin typeface="微软雅黑" panose="020B0503020204020204" pitchFamily="34" charset="-122"/>
+                <a:ea typeface="微软雅黑" panose="020B0503020204020204" pitchFamily="34" charset="-122"/>
+              </a:rPr>
+              <a:t>文档撰写</a:t>
             </a:r>
           </a:p>
         </p:txBody>
@@ -4160,7 +4847,12 @@
             <p:ph type="title"/>
           </p:nvPr>
         </p:nvSpPr>
-        <p:spPr/>
+        <p:spPr>
+          <a:xfrm>
+            <a:off x="0" y="18255"/>
+            <a:ext cx="10515600" cy="1325563"/>
+          </a:xfrm>
+        </p:spPr>
         <p:txBody>
           <a:bodyPr/>
           <a:lstStyle/>
@@ -4191,13 +4883,24 @@
             <p:ph idx="1"/>
           </p:nvPr>
         </p:nvSpPr>
-        <p:spPr/>
-        <p:txBody>
-          <a:bodyPr/>
-          <a:lstStyle/>
-          <a:p>
-            <a:r>
-              <a:rPr lang="zh-CN" altLang="en-US" b="1" i="0" dirty="0">
+        <p:spPr>
+          <a:xfrm>
+            <a:off x="5942526" y="1658326"/>
+            <a:ext cx="5976602" cy="4618593"/>
+          </a:xfrm>
+        </p:spPr>
+        <p:txBody>
+          <a:bodyPr>
+            <a:normAutofit/>
+          </a:bodyPr>
+          <a:lstStyle/>
+          <a:p>
+            <a:pPr>
+              <a:buFont typeface="Wingdings" panose="05000000000000000000" pitchFamily="2" charset="2"/>
+              <a:buChar char="Ø"/>
+            </a:pPr>
+            <a:r>
+              <a:rPr lang="zh-CN" altLang="en-US" sz="2400" i="0" dirty="0">
                 <a:solidFill>
                   <a:srgbClr val="202122"/>
                 </a:solidFill>
@@ -4205,20 +4908,9 @@
                 <a:latin typeface="微软雅黑" panose="020B0503020204020204" pitchFamily="34" charset="-122"/>
                 <a:ea typeface="微软雅黑" panose="020B0503020204020204" pitchFamily="34" charset="-122"/>
               </a:rPr>
-              <a:t>数字水印</a:t>
-            </a:r>
-            <a:r>
-              <a:rPr lang="zh-CN" altLang="en-US" b="0" i="0" dirty="0">
-                <a:solidFill>
-                  <a:srgbClr val="202122"/>
-                </a:solidFill>
-                <a:effectLst/>
-                <a:latin typeface="微软雅黑" panose="020B0503020204020204" pitchFamily="34" charset="-122"/>
-                <a:ea typeface="微软雅黑" panose="020B0503020204020204" pitchFamily="34" charset="-122"/>
-              </a:rPr>
-              <a:t>，是指将特定的信息嵌入数字信号中，数字信号可能是音频、图片或是视频等。</a:t>
-            </a:r>
-            <a:endParaRPr lang="en-US" altLang="zh-CN" b="0" i="0" dirty="0">
+              <a:t>是什么？</a:t>
+            </a:r>
+            <a:endParaRPr lang="en-US" altLang="zh-CN" sz="2400" i="0" dirty="0">
               <a:solidFill>
                 <a:srgbClr val="202122"/>
               </a:solidFill>
@@ -4228,8 +4920,11 @@
             </a:endParaRPr>
           </a:p>
           <a:p>
-            <a:r>
-              <a:rPr lang="zh-CN" altLang="en-US" b="0" i="0" dirty="0">
+            <a:pPr marL="0" indent="0">
+              <a:buNone/>
+            </a:pPr>
+            <a:r>
+              <a:rPr lang="zh-CN" altLang="en-US" sz="2400" i="0" dirty="0">
                 <a:solidFill>
                   <a:srgbClr val="202122"/>
                 </a:solidFill>
@@ -4237,30 +4932,10 @@
                 <a:latin typeface="微软雅黑" panose="020B0503020204020204" pitchFamily="34" charset="-122"/>
                 <a:ea typeface="微软雅黑" panose="020B0503020204020204" pitchFamily="34" charset="-122"/>
               </a:rPr>
-              <a:t>数字水印可分为浮现式和隐藏式两种，前者是可被看见的水印</a:t>
-            </a:r>
-            <a:r>
-              <a:rPr lang="zh-CN" altLang="en-US" dirty="0">
-                <a:solidFill>
-                  <a:srgbClr val="202122"/>
-                </a:solidFill>
-                <a:latin typeface="微软雅黑" panose="020B0503020204020204" pitchFamily="34" charset="-122"/>
-                <a:ea typeface="微软雅黑" panose="020B0503020204020204" pitchFamily="34" charset="-122"/>
-              </a:rPr>
-              <a:t>。后者则不行。</a:t>
-            </a:r>
-            <a:endParaRPr lang="en-US" altLang="zh-CN" b="0" i="0" dirty="0">
-              <a:solidFill>
-                <a:srgbClr val="202122"/>
-              </a:solidFill>
-              <a:effectLst/>
-              <a:latin typeface="微软雅黑" panose="020B0503020204020204" pitchFamily="34" charset="-122"/>
-              <a:ea typeface="微软雅黑" panose="020B0503020204020204" pitchFamily="34" charset="-122"/>
-            </a:endParaRPr>
-          </a:p>
-          <a:p>
-            <a:r>
-              <a:rPr lang="zh-CN" altLang="en-US" b="0" i="0" dirty="0">
+              <a:t>数字水印</a:t>
+            </a:r>
+            <a:r>
+              <a:rPr lang="zh-CN" altLang="en-US" sz="2400" b="0" i="0" dirty="0">
                 <a:solidFill>
                   <a:srgbClr val="202122"/>
                 </a:solidFill>
@@ -4268,9 +4943,19 @@
                 <a:latin typeface="微软雅黑" panose="020B0503020204020204" pitchFamily="34" charset="-122"/>
                 <a:ea typeface="微软雅黑" panose="020B0503020204020204" pitchFamily="34" charset="-122"/>
               </a:rPr>
-              <a:t>隐藏式的水印是以数字资料的方式加入音频、图片或视频中，但在一般的状况下无法被看见。</a:t>
-            </a:r>
-            <a:endParaRPr lang="en-US" altLang="zh-CN" dirty="0">
+              <a:t>是指将特定的信息嵌入数字信号中，数字信号可能是音频、图片或是视频等。数字水印可分为浮现式和隐藏式两种，</a:t>
+            </a:r>
+            <a:r>
+              <a:rPr lang="zh-CN" altLang="en-US" sz="2400" dirty="0">
+                <a:solidFill>
+                  <a:srgbClr val="202122"/>
+                </a:solidFill>
+                <a:latin typeface="微软雅黑" panose="020B0503020204020204" pitchFamily="34" charset="-122"/>
+                <a:ea typeface="微软雅黑" panose="020B0503020204020204" pitchFamily="34" charset="-122"/>
+              </a:rPr>
+              <a:t>本项目主要针对后者。</a:t>
+            </a:r>
+            <a:endParaRPr lang="en-US" altLang="zh-CN" sz="2400" dirty="0">
               <a:solidFill>
                 <a:srgbClr val="202122"/>
               </a:solidFill>
@@ -4279,27 +4964,540 @@
             </a:endParaRPr>
           </a:p>
           <a:p>
-            <a:r>
-              <a:rPr lang="zh-CN" altLang="en-US" dirty="0">
+            <a:pPr>
+              <a:buFont typeface="Wingdings" panose="05000000000000000000" pitchFamily="2" charset="2"/>
+              <a:buChar char="Ø"/>
+            </a:pPr>
+            <a:r>
+              <a:rPr lang="zh-CN" altLang="en-US" sz="2400" dirty="0">
+                <a:solidFill>
+                  <a:srgbClr val="202122"/>
+                </a:solidFill>
+                <a:latin typeface="微软雅黑" panose="020B0503020204020204" pitchFamily="34" charset="-122"/>
+                <a:ea typeface="微软雅黑" panose="020B0503020204020204" pitchFamily="34" charset="-122"/>
+              </a:rPr>
+              <a:t>有何用？</a:t>
+            </a:r>
+            <a:endParaRPr lang="en-US" altLang="zh-CN" sz="2400" dirty="0">
+              <a:solidFill>
+                <a:srgbClr val="202122"/>
+              </a:solidFill>
+              <a:latin typeface="微软雅黑" panose="020B0503020204020204" pitchFamily="34" charset="-122"/>
+              <a:ea typeface="微软雅黑" panose="020B0503020204020204" pitchFamily="34" charset="-122"/>
+            </a:endParaRPr>
+          </a:p>
+          <a:p>
+            <a:pPr marL="0" indent="0">
+              <a:buNone/>
+            </a:pPr>
+            <a:r>
+              <a:rPr lang="zh-CN" altLang="en-US" sz="2400" dirty="0">
                 <a:latin typeface="微软雅黑" panose="020B0503020204020204" pitchFamily="34" charset="-122"/>
                 <a:ea typeface="微软雅黑" panose="020B0503020204020204" pitchFamily="34" charset="-122"/>
               </a:rPr>
               <a:t>隐藏式水印的重要应用之一是保护著作权，期望能借此避免或阻止数字媒体未经授权的复制和拷贝。隐写术（</a:t>
             </a:r>
             <a:r>
-              <a:rPr lang="en-US" altLang="zh-CN" dirty="0">
+              <a:rPr lang="en-US" altLang="zh-CN" sz="2400" dirty="0">
                 <a:latin typeface="微软雅黑" panose="020B0503020204020204" pitchFamily="34" charset="-122"/>
                 <a:ea typeface="微软雅黑" panose="020B0503020204020204" pitchFamily="34" charset="-122"/>
               </a:rPr>
               <a:t>Steganography</a:t>
             </a:r>
             <a:r>
-              <a:rPr lang="zh-CN" altLang="en-US" dirty="0">
+              <a:rPr lang="zh-CN" altLang="en-US" sz="2400" dirty="0">
                 <a:latin typeface="微软雅黑" panose="020B0503020204020204" pitchFamily="34" charset="-122"/>
                 <a:ea typeface="微软雅黑" panose="020B0503020204020204" pitchFamily="34" charset="-122"/>
               </a:rPr>
               <a:t>）也是数字水印的一种应用，双方可利用隐藏在数字信号中的信息进行沟通。</a:t>
             </a:r>
+          </a:p>
+        </p:txBody>
+      </p:sp>
+      <p:cxnSp>
+        <p:nvCxnSpPr>
+          <p:cNvPr id="4" name="直接连接符 3">
+            <a:extLst>
+              <a:ext uri="{FF2B5EF4-FFF2-40B4-BE49-F238E27FC236}">
+                <a16:creationId xmlns:a16="http://schemas.microsoft.com/office/drawing/2014/main" id="{EF99467E-DDA8-4727-AF5B-AF7CA5A6F87C}"/>
+              </a:ext>
+            </a:extLst>
+          </p:cNvPr>
+          <p:cNvCxnSpPr>
+            <a:cxnSpLocks/>
+          </p:cNvCxnSpPr>
+          <p:nvPr/>
+        </p:nvCxnSpPr>
+        <p:spPr>
+          <a:xfrm>
+            <a:off x="0" y="1048358"/>
+            <a:ext cx="3511995" cy="0"/>
+          </a:xfrm>
+          <a:prstGeom prst="line">
+            <a:avLst/>
+          </a:prstGeom>
+          <a:ln w="19050">
+            <a:solidFill>
+              <a:schemeClr val="tx1"/>
+            </a:solidFill>
+          </a:ln>
+        </p:spPr>
+        <p:style>
+          <a:lnRef idx="1">
+            <a:schemeClr val="accent1"/>
+          </a:lnRef>
+          <a:fillRef idx="0">
+            <a:schemeClr val="accent1"/>
+          </a:fillRef>
+          <a:effectRef idx="0">
+            <a:schemeClr val="accent1"/>
+          </a:effectRef>
+          <a:fontRef idx="minor">
+            <a:schemeClr val="tx1"/>
+          </a:fontRef>
+        </p:style>
+      </p:cxnSp>
+      <p:pic>
+        <p:nvPicPr>
+          <p:cNvPr id="7" name="图片 6">
+            <a:extLst>
+              <a:ext uri="{FF2B5EF4-FFF2-40B4-BE49-F238E27FC236}">
+                <a16:creationId xmlns:a16="http://schemas.microsoft.com/office/drawing/2014/main" id="{6D3193FF-0BDA-402F-BC1B-333D4AC82358}"/>
+              </a:ext>
+            </a:extLst>
+          </p:cNvPr>
+          <p:cNvPicPr>
+            <a:picLocks noChangeAspect="1"/>
+          </p:cNvPicPr>
+          <p:nvPr/>
+        </p:nvPicPr>
+        <p:blipFill>
+          <a:blip r:embed="rId2">
+            <a:extLst>
+              <a:ext uri="{28A0092B-C50C-407E-A947-70E740481C1C}">
+                <a14:useLocalDpi xmlns:a14="http://schemas.microsoft.com/office/drawing/2010/main" val="0"/>
+              </a:ext>
+            </a:extLst>
+          </a:blip>
+          <a:stretch>
+            <a:fillRect/>
+          </a:stretch>
+        </p:blipFill>
+        <p:spPr>
+          <a:xfrm>
+            <a:off x="269856" y="2092375"/>
+            <a:ext cx="1466211" cy="1466211"/>
+          </a:xfrm>
+          <a:prstGeom prst="rect">
+            <a:avLst/>
+          </a:prstGeom>
+        </p:spPr>
+      </p:pic>
+      <p:pic>
+        <p:nvPicPr>
+          <p:cNvPr id="8" name="图片 7">
+            <a:extLst>
+              <a:ext uri="{FF2B5EF4-FFF2-40B4-BE49-F238E27FC236}">
+                <a16:creationId xmlns:a16="http://schemas.microsoft.com/office/drawing/2014/main" id="{6A9C7CE3-2428-4B1A-AF99-0203DA7B8D9D}"/>
+              </a:ext>
+            </a:extLst>
+          </p:cNvPr>
+          <p:cNvPicPr>
+            <a:picLocks noChangeAspect="1"/>
+          </p:cNvPicPr>
+          <p:nvPr/>
+        </p:nvPicPr>
+        <p:blipFill>
+          <a:blip r:embed="rId2">
+            <a:extLst>
+              <a:ext uri="{28A0092B-C50C-407E-A947-70E740481C1C}">
+                <a14:useLocalDpi xmlns:a14="http://schemas.microsoft.com/office/drawing/2010/main" val="0"/>
+              </a:ext>
+            </a:extLst>
+          </a:blip>
+          <a:stretch>
+            <a:fillRect/>
+          </a:stretch>
+        </p:blipFill>
+        <p:spPr>
+          <a:xfrm>
+            <a:off x="272872" y="4203615"/>
+            <a:ext cx="1466211" cy="1466211"/>
+          </a:xfrm>
+          <a:prstGeom prst="rect">
+            <a:avLst/>
+          </a:prstGeom>
+        </p:spPr>
+      </p:pic>
+      <p:pic>
+        <p:nvPicPr>
+          <p:cNvPr id="9" name="图片 8">
+            <a:extLst>
+              <a:ext uri="{FF2B5EF4-FFF2-40B4-BE49-F238E27FC236}">
+                <a16:creationId xmlns:a16="http://schemas.microsoft.com/office/drawing/2014/main" id="{EB3CC818-D306-4D6F-990A-21A2358B4A2C}"/>
+              </a:ext>
+            </a:extLst>
+          </p:cNvPr>
+          <p:cNvPicPr>
+            <a:picLocks noChangeAspect="1"/>
+          </p:cNvPicPr>
+          <p:nvPr/>
+        </p:nvPicPr>
+        <p:blipFill>
+          <a:blip r:embed="rId3">
+            <a:extLst>
+              <a:ext uri="{28A0092B-C50C-407E-A947-70E740481C1C}">
+                <a14:useLocalDpi xmlns:a14="http://schemas.microsoft.com/office/drawing/2010/main" val="0"/>
+              </a:ext>
+            </a:extLst>
+          </a:blip>
+          <a:stretch>
+            <a:fillRect/>
+          </a:stretch>
+        </p:blipFill>
+        <p:spPr>
+          <a:xfrm>
+            <a:off x="2211039" y="2092375"/>
+            <a:ext cx="1466211" cy="1466211"/>
+          </a:xfrm>
+          <a:prstGeom prst="rect">
+            <a:avLst/>
+          </a:prstGeom>
+        </p:spPr>
+      </p:pic>
+      <p:pic>
+        <p:nvPicPr>
+          <p:cNvPr id="10" name="图片 9">
+            <a:extLst>
+              <a:ext uri="{FF2B5EF4-FFF2-40B4-BE49-F238E27FC236}">
+                <a16:creationId xmlns:a16="http://schemas.microsoft.com/office/drawing/2014/main" id="{4197604E-F76A-444F-8CE6-017805BCF753}"/>
+              </a:ext>
+            </a:extLst>
+          </p:cNvPr>
+          <p:cNvPicPr>
+            <a:picLocks noChangeAspect="1"/>
+          </p:cNvPicPr>
+          <p:nvPr/>
+        </p:nvPicPr>
+        <p:blipFill>
+          <a:blip r:embed="rId2">
+            <a:extLst>
+              <a:ext uri="{28A0092B-C50C-407E-A947-70E740481C1C}">
+                <a14:useLocalDpi xmlns:a14="http://schemas.microsoft.com/office/drawing/2010/main" val="0"/>
+              </a:ext>
+            </a:extLst>
+          </a:blip>
+          <a:stretch>
+            <a:fillRect/>
+          </a:stretch>
+        </p:blipFill>
+        <p:spPr>
+          <a:xfrm>
+            <a:off x="4044911" y="2092374"/>
+            <a:ext cx="1466211" cy="1466211"/>
+          </a:xfrm>
+          <a:prstGeom prst="rect">
+            <a:avLst/>
+          </a:prstGeom>
+        </p:spPr>
+      </p:pic>
+      <p:sp>
+        <p:nvSpPr>
+          <p:cNvPr id="11" name="文本框 10">
+            <a:extLst>
+              <a:ext uri="{FF2B5EF4-FFF2-40B4-BE49-F238E27FC236}">
+                <a16:creationId xmlns:a16="http://schemas.microsoft.com/office/drawing/2014/main" id="{A78995E4-3F75-4A0C-BD70-74365F03A6AA}"/>
+              </a:ext>
+            </a:extLst>
+          </p:cNvPr>
+          <p:cNvSpPr txBox="1"/>
+          <p:nvPr/>
+        </p:nvSpPr>
+        <p:spPr>
+          <a:xfrm>
+            <a:off x="3957556" y="1964092"/>
+            <a:ext cx="1831703" cy="1569660"/>
+          </a:xfrm>
+          <a:prstGeom prst="rect">
+            <a:avLst/>
+          </a:prstGeom>
+          <a:noFill/>
+        </p:spPr>
+        <p:txBody>
+          <a:bodyPr wrap="square" rtlCol="0">
+            <a:spAutoFit/>
+          </a:bodyPr>
+          <a:lstStyle/>
+          <a:p>
+            <a:r>
+              <a:rPr lang="zh-CN" altLang="en-US" sz="4800" dirty="0">
+                <a:solidFill>
+                  <a:schemeClr val="bg2"/>
+                </a:solidFill>
+                <a:latin typeface="宋体" panose="02010600030101010101" pitchFamily="2" charset="-122"/>
+                <a:ea typeface="宋体" panose="02010600030101010101" pitchFamily="2" charset="-122"/>
+              </a:rPr>
+              <a:t>测试</a:t>
+            </a:r>
+            <a:endParaRPr lang="en-US" altLang="zh-CN" sz="4800" dirty="0">
+              <a:solidFill>
+                <a:schemeClr val="bg2"/>
+              </a:solidFill>
+              <a:latin typeface="宋体" panose="02010600030101010101" pitchFamily="2" charset="-122"/>
+              <a:ea typeface="宋体" panose="02010600030101010101" pitchFamily="2" charset="-122"/>
+            </a:endParaRPr>
+          </a:p>
+          <a:p>
+            <a:r>
+              <a:rPr lang="zh-CN" altLang="en-US" sz="4800" dirty="0">
+                <a:solidFill>
+                  <a:schemeClr val="bg2"/>
+                </a:solidFill>
+                <a:latin typeface="宋体" panose="02010600030101010101" pitchFamily="2" charset="-122"/>
+                <a:ea typeface="宋体" panose="02010600030101010101" pitchFamily="2" charset="-122"/>
+              </a:rPr>
+              <a:t>水印</a:t>
+            </a:r>
+          </a:p>
+        </p:txBody>
+      </p:sp>
+      <p:pic>
+        <p:nvPicPr>
+          <p:cNvPr id="12" name="图片 11">
+            <a:extLst>
+              <a:ext uri="{FF2B5EF4-FFF2-40B4-BE49-F238E27FC236}">
+                <a16:creationId xmlns:a16="http://schemas.microsoft.com/office/drawing/2014/main" id="{CB541318-BD2B-4C2D-8641-458D4F20C7C0}"/>
+              </a:ext>
+            </a:extLst>
+          </p:cNvPr>
+          <p:cNvPicPr>
+            <a:picLocks noChangeAspect="1"/>
+          </p:cNvPicPr>
+          <p:nvPr/>
+        </p:nvPicPr>
+        <p:blipFill>
+          <a:blip r:embed="rId3">
+            <a:extLst>
+              <a:ext uri="{28A0092B-C50C-407E-A947-70E740481C1C}">
+                <a14:useLocalDpi xmlns:a14="http://schemas.microsoft.com/office/drawing/2010/main" val="0"/>
+              </a:ext>
+            </a:extLst>
+          </a:blip>
+          <a:stretch>
+            <a:fillRect/>
+          </a:stretch>
+        </p:blipFill>
+        <p:spPr>
+          <a:xfrm>
+            <a:off x="2211038" y="4203615"/>
+            <a:ext cx="1466211" cy="1466211"/>
+          </a:xfrm>
+          <a:prstGeom prst="rect">
+            <a:avLst/>
+          </a:prstGeom>
+        </p:spPr>
+      </p:pic>
+      <p:pic>
+        <p:nvPicPr>
+          <p:cNvPr id="13" name="图片 12">
+            <a:extLst>
+              <a:ext uri="{FF2B5EF4-FFF2-40B4-BE49-F238E27FC236}">
+                <a16:creationId xmlns:a16="http://schemas.microsoft.com/office/drawing/2014/main" id="{EEA5BFAA-E385-4EDF-ACA7-E01CEBB7D43E}"/>
+              </a:ext>
+            </a:extLst>
+          </p:cNvPr>
+          <p:cNvPicPr>
+            <a:picLocks noChangeAspect="1"/>
+          </p:cNvPicPr>
+          <p:nvPr/>
+        </p:nvPicPr>
+        <p:blipFill>
+          <a:blip r:embed="rId2">
+            <a:extLst>
+              <a:ext uri="{28A0092B-C50C-407E-A947-70E740481C1C}">
+                <a14:useLocalDpi xmlns:a14="http://schemas.microsoft.com/office/drawing/2010/main" val="0"/>
+              </a:ext>
+            </a:extLst>
+          </a:blip>
+          <a:stretch>
+            <a:fillRect/>
+          </a:stretch>
+        </p:blipFill>
+        <p:spPr>
+          <a:xfrm>
+            <a:off x="4044911" y="4203615"/>
+            <a:ext cx="1466211" cy="1466211"/>
+          </a:xfrm>
+          <a:prstGeom prst="rect">
+            <a:avLst/>
+          </a:prstGeom>
+        </p:spPr>
+      </p:pic>
+      <p:sp>
+        <p:nvSpPr>
+          <p:cNvPr id="14" name="文本框 13">
+            <a:extLst>
+              <a:ext uri="{FF2B5EF4-FFF2-40B4-BE49-F238E27FC236}">
+                <a16:creationId xmlns:a16="http://schemas.microsoft.com/office/drawing/2014/main" id="{F1A3BB78-5CC6-440C-A7AD-995F93CCF19A}"/>
+              </a:ext>
+            </a:extLst>
+          </p:cNvPr>
+          <p:cNvSpPr txBox="1"/>
+          <p:nvPr/>
+        </p:nvSpPr>
+        <p:spPr>
+          <a:xfrm>
+            <a:off x="1644486" y="2432345"/>
+            <a:ext cx="658135" cy="786268"/>
+          </a:xfrm>
+          <a:prstGeom prst="rect">
+            <a:avLst/>
+          </a:prstGeom>
+          <a:noFill/>
+        </p:spPr>
+        <p:txBody>
+          <a:bodyPr wrap="square" rtlCol="0">
+            <a:spAutoFit/>
+          </a:bodyPr>
+          <a:lstStyle/>
+          <a:p>
+            <a:r>
+              <a:rPr lang="en-US" altLang="zh-CN" sz="4400" dirty="0">
+                <a:latin typeface="微软雅黑" panose="020B0503020204020204" pitchFamily="34" charset="-122"/>
+                <a:ea typeface="微软雅黑" panose="020B0503020204020204" pitchFamily="34" charset="-122"/>
+              </a:rPr>
+              <a:t>+</a:t>
+            </a:r>
+            <a:endParaRPr lang="zh-CN" altLang="en-US" sz="4400" dirty="0">
+              <a:latin typeface="微软雅黑" panose="020B0503020204020204" pitchFamily="34" charset="-122"/>
+              <a:ea typeface="微软雅黑" panose="020B0503020204020204" pitchFamily="34" charset="-122"/>
+            </a:endParaRPr>
+          </a:p>
+        </p:txBody>
+      </p:sp>
+      <p:sp>
+        <p:nvSpPr>
+          <p:cNvPr id="15" name="文本框 14">
+            <a:extLst>
+              <a:ext uri="{FF2B5EF4-FFF2-40B4-BE49-F238E27FC236}">
+                <a16:creationId xmlns:a16="http://schemas.microsoft.com/office/drawing/2014/main" id="{681ABC1E-37CC-4B8B-B0D8-F08C152F8C3B}"/>
+              </a:ext>
+            </a:extLst>
+          </p:cNvPr>
+          <p:cNvSpPr txBox="1"/>
+          <p:nvPr/>
+        </p:nvSpPr>
+        <p:spPr>
+          <a:xfrm>
+            <a:off x="1665969" y="4524288"/>
+            <a:ext cx="658135" cy="786268"/>
+          </a:xfrm>
+          <a:prstGeom prst="rect">
+            <a:avLst/>
+          </a:prstGeom>
+          <a:noFill/>
+        </p:spPr>
+        <p:txBody>
+          <a:bodyPr wrap="square" rtlCol="0">
+            <a:spAutoFit/>
+          </a:bodyPr>
+          <a:lstStyle/>
+          <a:p>
+            <a:r>
+              <a:rPr lang="en-US" altLang="zh-CN" sz="4400" dirty="0">
+                <a:latin typeface="微软雅黑" panose="020B0503020204020204" pitchFamily="34" charset="-122"/>
+                <a:ea typeface="微软雅黑" panose="020B0503020204020204" pitchFamily="34" charset="-122"/>
+              </a:rPr>
+              <a:t>+</a:t>
+            </a:r>
+            <a:endParaRPr lang="zh-CN" altLang="en-US" sz="4400" dirty="0">
+              <a:latin typeface="微软雅黑" panose="020B0503020204020204" pitchFamily="34" charset="-122"/>
+              <a:ea typeface="微软雅黑" panose="020B0503020204020204" pitchFamily="34" charset="-122"/>
+            </a:endParaRPr>
+          </a:p>
+        </p:txBody>
+      </p:sp>
+      <p:sp>
+        <p:nvSpPr>
+          <p:cNvPr id="16" name="文本框 15">
+            <a:extLst>
+              <a:ext uri="{FF2B5EF4-FFF2-40B4-BE49-F238E27FC236}">
+                <a16:creationId xmlns:a16="http://schemas.microsoft.com/office/drawing/2014/main" id="{15363C78-C663-4189-A79C-8C7DA25F5B9C}"/>
+              </a:ext>
+            </a:extLst>
+          </p:cNvPr>
+          <p:cNvSpPr txBox="1"/>
+          <p:nvPr/>
+        </p:nvSpPr>
+        <p:spPr>
+          <a:xfrm>
+            <a:off x="3575691" y="2391600"/>
+            <a:ext cx="658135" cy="786268"/>
+          </a:xfrm>
+          <a:prstGeom prst="rect">
+            <a:avLst/>
+          </a:prstGeom>
+          <a:noFill/>
+        </p:spPr>
+        <p:txBody>
+          <a:bodyPr wrap="square" rtlCol="0">
+            <a:spAutoFit/>
+          </a:bodyPr>
+          <a:lstStyle/>
+          <a:p>
+            <a:r>
+              <a:rPr lang="en-US" altLang="zh-CN" sz="4400" dirty="0">
+                <a:latin typeface="微软雅黑" panose="020B0503020204020204" pitchFamily="34" charset="-122"/>
+                <a:ea typeface="微软雅黑" panose="020B0503020204020204" pitchFamily="34" charset="-122"/>
+              </a:rPr>
+              <a:t>=</a:t>
+            </a:r>
+            <a:endParaRPr lang="zh-CN" altLang="en-US" sz="4400" dirty="0">
+              <a:latin typeface="微软雅黑" panose="020B0503020204020204" pitchFamily="34" charset="-122"/>
+              <a:ea typeface="微软雅黑" panose="020B0503020204020204" pitchFamily="34" charset="-122"/>
+            </a:endParaRPr>
+          </a:p>
+        </p:txBody>
+      </p:sp>
+      <p:sp>
+        <p:nvSpPr>
+          <p:cNvPr id="17" name="文本框 16">
+            <a:extLst>
+              <a:ext uri="{FF2B5EF4-FFF2-40B4-BE49-F238E27FC236}">
+                <a16:creationId xmlns:a16="http://schemas.microsoft.com/office/drawing/2014/main" id="{3D77845E-0852-46CF-B926-DEF0B0839D85}"/>
+              </a:ext>
+            </a:extLst>
+          </p:cNvPr>
+          <p:cNvSpPr txBox="1"/>
+          <p:nvPr/>
+        </p:nvSpPr>
+        <p:spPr>
+          <a:xfrm>
+            <a:off x="3566146" y="4513232"/>
+            <a:ext cx="658135" cy="786268"/>
+          </a:xfrm>
+          <a:prstGeom prst="rect">
+            <a:avLst/>
+          </a:prstGeom>
+          <a:noFill/>
+        </p:spPr>
+        <p:txBody>
+          <a:bodyPr wrap="square" rtlCol="0">
+            <a:spAutoFit/>
+          </a:bodyPr>
+          <a:lstStyle/>
+          <a:p>
+            <a:r>
+              <a:rPr lang="en-US" altLang="zh-CN" sz="4400" dirty="0">
+                <a:latin typeface="微软雅黑" panose="020B0503020204020204" pitchFamily="34" charset="-122"/>
+                <a:ea typeface="微软雅黑" panose="020B0503020204020204" pitchFamily="34" charset="-122"/>
+              </a:rPr>
+              <a:t>=</a:t>
+            </a:r>
+            <a:endParaRPr lang="zh-CN" altLang="en-US" sz="4400" dirty="0">
+              <a:latin typeface="微软雅黑" panose="020B0503020204020204" pitchFamily="34" charset="-122"/>
+              <a:ea typeface="微软雅黑" panose="020B0503020204020204" pitchFamily="34" charset="-122"/>
+            </a:endParaRPr>
           </a:p>
         </p:txBody>
       </p:sp>
@@ -4349,7 +5547,12 @@
             <p:ph type="title"/>
           </p:nvPr>
         </p:nvSpPr>
-        <p:spPr/>
+        <p:spPr>
+          <a:xfrm>
+            <a:off x="0" y="0"/>
+            <a:ext cx="10515600" cy="1325563"/>
+          </a:xfrm>
+        </p:spPr>
         <p:txBody>
           <a:bodyPr/>
           <a:lstStyle/>
@@ -4384,13 +5587,21 @@
             <p:ph idx="1"/>
           </p:nvPr>
         </p:nvSpPr>
-        <p:spPr/>
+        <p:spPr>
+          <a:xfrm>
+            <a:off x="920950" y="1499753"/>
+            <a:ext cx="10350096" cy="987465"/>
+          </a:xfrm>
+        </p:spPr>
         <p:txBody>
           <a:bodyPr>
             <a:normAutofit/>
           </a:bodyPr>
           <a:lstStyle/>
           <a:p>
+            <a:pPr marL="0" indent="0">
+              <a:buNone/>
+            </a:pPr>
             <a:r>
               <a:rPr lang="zh-CN" altLang="en-US" dirty="0">
                 <a:latin typeface="微软雅黑" panose="020B0503020204020204" pitchFamily="34" charset="-122"/>
@@ -4447,7 +5658,7 @@
         </p:blipFill>
         <p:spPr>
           <a:xfrm>
-            <a:off x="1219200" y="2983480"/>
+            <a:off x="1056122" y="2803383"/>
             <a:ext cx="3006259" cy="3006259"/>
           </a:xfrm>
           <a:prstGeom prst="rect">
@@ -4483,7 +5694,7 @@
         </p:blipFill>
         <p:spPr>
           <a:xfrm>
-            <a:off x="4565435" y="2983480"/>
+            <a:off x="4592870" y="2803382"/>
             <a:ext cx="3006259" cy="3006259"/>
           </a:xfrm>
           <a:prstGeom prst="rect">
@@ -4519,7 +5730,7 @@
         </p:blipFill>
         <p:spPr>
           <a:xfrm>
-            <a:off x="7911670" y="2983480"/>
+            <a:off x="7964088" y="2764422"/>
             <a:ext cx="3006259" cy="3006259"/>
           </a:xfrm>
           <a:prstGeom prst="rect">
@@ -4527,6 +5738,163 @@
           </a:prstGeom>
         </p:spPr>
       </p:pic>
+      <p:cxnSp>
+        <p:nvCxnSpPr>
+          <p:cNvPr id="8" name="直接连接符 7">
+            <a:extLst>
+              <a:ext uri="{FF2B5EF4-FFF2-40B4-BE49-F238E27FC236}">
+                <a16:creationId xmlns:a16="http://schemas.microsoft.com/office/drawing/2014/main" id="{07039D3D-F18F-4F11-A145-480DDB8ECD9E}"/>
+              </a:ext>
+            </a:extLst>
+          </p:cNvPr>
+          <p:cNvCxnSpPr>
+            <a:cxnSpLocks/>
+          </p:cNvCxnSpPr>
+          <p:nvPr/>
+        </p:nvCxnSpPr>
+        <p:spPr>
+          <a:xfrm>
+            <a:off x="0" y="1048358"/>
+            <a:ext cx="1135720" cy="0"/>
+          </a:xfrm>
+          <a:prstGeom prst="line">
+            <a:avLst/>
+          </a:prstGeom>
+          <a:ln w="19050">
+            <a:solidFill>
+              <a:schemeClr val="tx1"/>
+            </a:solidFill>
+          </a:ln>
+        </p:spPr>
+        <p:style>
+          <a:lnRef idx="1">
+            <a:schemeClr val="accent1"/>
+          </a:lnRef>
+          <a:fillRef idx="0">
+            <a:schemeClr val="accent1"/>
+          </a:fillRef>
+          <a:effectRef idx="0">
+            <a:schemeClr val="accent1"/>
+          </a:effectRef>
+          <a:fontRef idx="minor">
+            <a:schemeClr val="tx1"/>
+          </a:fontRef>
+        </p:style>
+      </p:cxnSp>
+      <p:sp>
+        <p:nvSpPr>
+          <p:cNvPr id="5" name="文本框 4">
+            <a:extLst>
+              <a:ext uri="{FF2B5EF4-FFF2-40B4-BE49-F238E27FC236}">
+                <a16:creationId xmlns:a16="http://schemas.microsoft.com/office/drawing/2014/main" id="{210DAD24-808D-43E4-9354-B810ED34CED6}"/>
+              </a:ext>
+            </a:extLst>
+          </p:cNvPr>
+          <p:cNvSpPr txBox="1"/>
+          <p:nvPr/>
+        </p:nvSpPr>
+        <p:spPr>
+          <a:xfrm>
+            <a:off x="2224359" y="5837910"/>
+            <a:ext cx="669783" cy="369332"/>
+          </a:xfrm>
+          <a:prstGeom prst="rect">
+            <a:avLst/>
+          </a:prstGeom>
+          <a:noFill/>
+        </p:spPr>
+        <p:txBody>
+          <a:bodyPr wrap="square" rtlCol="0">
+            <a:spAutoFit/>
+          </a:bodyPr>
+          <a:lstStyle/>
+          <a:p>
+            <a:r>
+              <a:rPr lang="zh-CN" altLang="en-US" dirty="0">
+                <a:latin typeface="微软雅黑" panose="020B0503020204020204" pitchFamily="34" charset="-122"/>
+                <a:ea typeface="微软雅黑" panose="020B0503020204020204" pitchFamily="34" charset="-122"/>
+              </a:rPr>
+              <a:t>原图</a:t>
+            </a:r>
+          </a:p>
+        </p:txBody>
+      </p:sp>
+      <p:sp>
+        <p:nvSpPr>
+          <p:cNvPr id="10" name="文本框 9">
+            <a:extLst>
+              <a:ext uri="{FF2B5EF4-FFF2-40B4-BE49-F238E27FC236}">
+                <a16:creationId xmlns:a16="http://schemas.microsoft.com/office/drawing/2014/main" id="{B4D30F8E-A22A-476F-B04C-B31EF5B544AD}"/>
+              </a:ext>
+            </a:extLst>
+          </p:cNvPr>
+          <p:cNvSpPr txBox="1"/>
+          <p:nvPr/>
+        </p:nvSpPr>
+        <p:spPr>
+          <a:xfrm>
+            <a:off x="5544882" y="5837910"/>
+            <a:ext cx="1102233" cy="369332"/>
+          </a:xfrm>
+          <a:prstGeom prst="rect">
+            <a:avLst/>
+          </a:prstGeom>
+          <a:noFill/>
+        </p:spPr>
+        <p:txBody>
+          <a:bodyPr wrap="square" rtlCol="0">
+            <a:spAutoFit/>
+          </a:bodyPr>
+          <a:lstStyle/>
+          <a:p>
+            <a:r>
+              <a:rPr lang="zh-CN" altLang="en-US" dirty="0">
+                <a:latin typeface="微软雅黑" panose="020B0503020204020204" pitchFamily="34" charset="-122"/>
+                <a:ea typeface="微软雅黑" panose="020B0503020204020204" pitchFamily="34" charset="-122"/>
+              </a:rPr>
+              <a:t>含水印图</a:t>
+            </a:r>
+          </a:p>
+        </p:txBody>
+      </p:sp>
+      <p:sp>
+        <p:nvSpPr>
+          <p:cNvPr id="12" name="文本框 11">
+            <a:extLst>
+              <a:ext uri="{FF2B5EF4-FFF2-40B4-BE49-F238E27FC236}">
+                <a16:creationId xmlns:a16="http://schemas.microsoft.com/office/drawing/2014/main" id="{2222AC72-B113-48D5-8267-37EA8D9CF510}"/>
+              </a:ext>
+            </a:extLst>
+          </p:cNvPr>
+          <p:cNvSpPr txBox="1"/>
+          <p:nvPr/>
+        </p:nvSpPr>
+        <p:spPr>
+          <a:xfrm>
+            <a:off x="8916100" y="5809641"/>
+            <a:ext cx="1102233" cy="369332"/>
+          </a:xfrm>
+          <a:prstGeom prst="rect">
+            <a:avLst/>
+          </a:prstGeom>
+          <a:noFill/>
+        </p:spPr>
+        <p:txBody>
+          <a:bodyPr wrap="square" rtlCol="0">
+            <a:spAutoFit/>
+          </a:bodyPr>
+          <a:lstStyle/>
+          <a:p>
+            <a:r>
+              <a:rPr lang="zh-CN" altLang="en-US" dirty="0">
+                <a:latin typeface="微软雅黑" panose="020B0503020204020204" pitchFamily="34" charset="-122"/>
+                <a:ea typeface="微软雅黑" panose="020B0503020204020204" pitchFamily="34" charset="-122"/>
+              </a:rPr>
+              <a:t>提取水印</a:t>
+            </a:r>
+          </a:p>
+        </p:txBody>
+      </p:sp>
     </p:spTree>
     <p:extLst>
       <p:ext uri="{BB962C8B-B14F-4D97-AF65-F5344CB8AC3E}">
@@ -4573,7 +5941,12 @@
             <p:ph type="title"/>
           </p:nvPr>
         </p:nvSpPr>
-        <p:spPr/>
+        <p:spPr>
+          <a:xfrm>
+            <a:off x="0" y="0"/>
+            <a:ext cx="10515600" cy="1325563"/>
+          </a:xfrm>
+        </p:spPr>
         <p:txBody>
           <a:bodyPr/>
           <a:lstStyle/>
@@ -4608,13 +5981,21 @@
             <p:ph idx="1"/>
           </p:nvPr>
         </p:nvSpPr>
-        <p:spPr/>
+        <p:spPr>
+          <a:xfrm>
+            <a:off x="838200" y="1531143"/>
+            <a:ext cx="10515600" cy="1325563"/>
+          </a:xfrm>
+        </p:spPr>
         <p:txBody>
           <a:bodyPr>
             <a:normAutofit/>
           </a:bodyPr>
           <a:lstStyle/>
           <a:p>
+            <a:pPr marL="0" indent="0">
+              <a:buNone/>
+            </a:pPr>
             <a:r>
               <a:rPr lang="zh-CN" altLang="en-US" dirty="0">
                 <a:latin typeface="微软雅黑" panose="020B0503020204020204" pitchFamily="34" charset="-122"/>
@@ -4648,7 +6029,7 @@
                 <a:latin typeface="微软雅黑" panose="020B0503020204020204" pitchFamily="34" charset="-122"/>
                 <a:ea typeface="微软雅黑" panose="020B0503020204020204" pitchFamily="34" charset="-122"/>
               </a:rPr>
-              <a:t>包里的</a:t>
+              <a:t>包中的</a:t>
             </a:r>
             <a:r>
               <a:rPr lang="en-US" altLang="zh-CN" dirty="0">
@@ -4662,35 +6043,21 @@
                 <a:latin typeface="微软雅黑" panose="020B0503020204020204" pitchFamily="34" charset="-122"/>
                 <a:ea typeface="微软雅黑" panose="020B0503020204020204" pitchFamily="34" charset="-122"/>
               </a:rPr>
-              <a:t>算法进行计算。并将图片的</a:t>
+              <a:t>算法进行计算。将水印信息存储在图像的蓝色通道的</a:t>
             </a:r>
             <a:r>
               <a:rPr lang="en-US" altLang="zh-CN" dirty="0">
                 <a:latin typeface="微软雅黑" panose="020B0503020204020204" pitchFamily="34" charset="-122"/>
                 <a:ea typeface="微软雅黑" panose="020B0503020204020204" pitchFamily="34" charset="-122"/>
               </a:rPr>
-              <a:t>RGB</a:t>
+              <a:t>DCT</a:t>
             </a:r>
             <a:r>
               <a:rPr lang="zh-CN" altLang="en-US" dirty="0">
                 <a:latin typeface="微软雅黑" panose="020B0503020204020204" pitchFamily="34" charset="-122"/>
                 <a:ea typeface="微软雅黑" panose="020B0503020204020204" pitchFamily="34" charset="-122"/>
               </a:rPr>
-              <a:t>的</a:t>
-            </a:r>
-            <a:r>
-              <a:rPr lang="en-US" altLang="zh-CN" dirty="0">
-                <a:latin typeface="微软雅黑" panose="020B0503020204020204" pitchFamily="34" charset="-122"/>
-                <a:ea typeface="微软雅黑" panose="020B0503020204020204" pitchFamily="34" charset="-122"/>
-              </a:rPr>
-              <a:t>B</a:t>
-            </a:r>
-            <a:r>
-              <a:rPr lang="zh-CN" altLang="en-US" dirty="0">
-                <a:latin typeface="微软雅黑" panose="020B0503020204020204" pitchFamily="34" charset="-122"/>
-                <a:ea typeface="微软雅黑" panose="020B0503020204020204" pitchFamily="34" charset="-122"/>
-              </a:rPr>
-              <a:t>通道进行变化来存储信息。</a:t>
+              <a:t>域中。</a:t>
             </a:r>
             <a:endParaRPr lang="en-US" altLang="zh-CN" dirty="0">
               <a:latin typeface="微软雅黑" panose="020B0503020204020204" pitchFamily="34" charset="-122"/>
@@ -4751,7 +6118,7 @@
         </p:blipFill>
         <p:spPr>
           <a:xfrm>
-            <a:off x="1317071" y="3429000"/>
+            <a:off x="950146" y="3110948"/>
             <a:ext cx="3019338" cy="3019338"/>
           </a:xfrm>
           <a:prstGeom prst="rect">
@@ -4787,7 +6154,7 @@
         </p:blipFill>
         <p:spPr>
           <a:xfrm>
-            <a:off x="5002636" y="3429000"/>
+            <a:off x="4746372" y="3110948"/>
             <a:ext cx="3019338" cy="3019338"/>
           </a:xfrm>
           <a:prstGeom prst="rect">
@@ -4823,7 +6190,7 @@
         </p:blipFill>
         <p:spPr>
           <a:xfrm>
-            <a:off x="9386232" y="5353793"/>
+            <a:off x="10104015" y="4130183"/>
             <a:ext cx="823170" cy="823170"/>
           </a:xfrm>
           <a:prstGeom prst="rect">
@@ -4859,7 +6226,7 @@
         </p:blipFill>
         <p:spPr>
           <a:xfrm>
-            <a:off x="9326112" y="4001294"/>
+            <a:off x="8635784" y="4130183"/>
             <a:ext cx="823170" cy="823170"/>
           </a:xfrm>
           <a:prstGeom prst="rect">
@@ -4867,6 +6234,201 @@
           </a:prstGeom>
         </p:spPr>
       </p:pic>
+      <p:cxnSp>
+        <p:nvCxnSpPr>
+          <p:cNvPr id="8" name="直接连接符 7">
+            <a:extLst>
+              <a:ext uri="{FF2B5EF4-FFF2-40B4-BE49-F238E27FC236}">
+                <a16:creationId xmlns:a16="http://schemas.microsoft.com/office/drawing/2014/main" id="{8A9BC1B9-AA57-4942-89C2-5E3203390761}"/>
+              </a:ext>
+            </a:extLst>
+          </p:cNvPr>
+          <p:cNvCxnSpPr>
+            <a:cxnSpLocks/>
+          </p:cNvCxnSpPr>
+          <p:nvPr/>
+        </p:nvCxnSpPr>
+        <p:spPr>
+          <a:xfrm>
+            <a:off x="0" y="1048358"/>
+            <a:ext cx="1397809" cy="0"/>
+          </a:xfrm>
+          <a:prstGeom prst="line">
+            <a:avLst/>
+          </a:prstGeom>
+          <a:ln w="19050">
+            <a:solidFill>
+              <a:schemeClr val="tx1"/>
+            </a:solidFill>
+          </a:ln>
+        </p:spPr>
+        <p:style>
+          <a:lnRef idx="1">
+            <a:schemeClr val="accent1"/>
+          </a:lnRef>
+          <a:fillRef idx="0">
+            <a:schemeClr val="accent1"/>
+          </a:fillRef>
+          <a:effectRef idx="0">
+            <a:schemeClr val="accent1"/>
+          </a:effectRef>
+          <a:fontRef idx="minor">
+            <a:schemeClr val="tx1"/>
+          </a:fontRef>
+        </p:style>
+      </p:cxnSp>
+      <p:sp>
+        <p:nvSpPr>
+          <p:cNvPr id="10" name="文本框 9">
+            <a:extLst>
+              <a:ext uri="{FF2B5EF4-FFF2-40B4-BE49-F238E27FC236}">
+                <a16:creationId xmlns:a16="http://schemas.microsoft.com/office/drawing/2014/main" id="{A28AD68F-A4E8-4AC8-B643-3DE61268ADAE}"/>
+              </a:ext>
+            </a:extLst>
+          </p:cNvPr>
+          <p:cNvSpPr txBox="1"/>
+          <p:nvPr/>
+        </p:nvSpPr>
+        <p:spPr>
+          <a:xfrm>
+            <a:off x="2124923" y="6130286"/>
+            <a:ext cx="669783" cy="369332"/>
+          </a:xfrm>
+          <a:prstGeom prst="rect">
+            <a:avLst/>
+          </a:prstGeom>
+          <a:noFill/>
+        </p:spPr>
+        <p:txBody>
+          <a:bodyPr wrap="square" rtlCol="0">
+            <a:spAutoFit/>
+          </a:bodyPr>
+          <a:lstStyle/>
+          <a:p>
+            <a:r>
+              <a:rPr lang="zh-CN" altLang="en-US" dirty="0">
+                <a:latin typeface="微软雅黑" panose="020B0503020204020204" pitchFamily="34" charset="-122"/>
+                <a:ea typeface="微软雅黑" panose="020B0503020204020204" pitchFamily="34" charset="-122"/>
+              </a:rPr>
+              <a:t>原图</a:t>
+            </a:r>
+          </a:p>
+        </p:txBody>
+      </p:sp>
+      <p:sp>
+        <p:nvSpPr>
+          <p:cNvPr id="12" name="文本框 11">
+            <a:extLst>
+              <a:ext uri="{FF2B5EF4-FFF2-40B4-BE49-F238E27FC236}">
+                <a16:creationId xmlns:a16="http://schemas.microsoft.com/office/drawing/2014/main" id="{08FAA97E-CDD3-467D-8513-09D501EE9017}"/>
+              </a:ext>
+            </a:extLst>
+          </p:cNvPr>
+          <p:cNvSpPr txBox="1"/>
+          <p:nvPr/>
+        </p:nvSpPr>
+        <p:spPr>
+          <a:xfrm>
+            <a:off x="5544883" y="6130286"/>
+            <a:ext cx="1102233" cy="369332"/>
+          </a:xfrm>
+          <a:prstGeom prst="rect">
+            <a:avLst/>
+          </a:prstGeom>
+          <a:noFill/>
+        </p:spPr>
+        <p:txBody>
+          <a:bodyPr wrap="square" rtlCol="0">
+            <a:spAutoFit/>
+          </a:bodyPr>
+          <a:lstStyle/>
+          <a:p>
+            <a:r>
+              <a:rPr lang="zh-CN" altLang="en-US" dirty="0">
+                <a:latin typeface="微软雅黑" panose="020B0503020204020204" pitchFamily="34" charset="-122"/>
+                <a:ea typeface="微软雅黑" panose="020B0503020204020204" pitchFamily="34" charset="-122"/>
+              </a:rPr>
+              <a:t>含水印图</a:t>
+            </a:r>
+          </a:p>
+        </p:txBody>
+      </p:sp>
+      <p:sp>
+        <p:nvSpPr>
+          <p:cNvPr id="14" name="文本框 13">
+            <a:extLst>
+              <a:ext uri="{FF2B5EF4-FFF2-40B4-BE49-F238E27FC236}">
+                <a16:creationId xmlns:a16="http://schemas.microsoft.com/office/drawing/2014/main" id="{F83D4B89-FE99-464F-A913-C0C3BB1C8982}"/>
+              </a:ext>
+            </a:extLst>
+          </p:cNvPr>
+          <p:cNvSpPr txBox="1"/>
+          <p:nvPr/>
+        </p:nvSpPr>
+        <p:spPr>
+          <a:xfrm>
+            <a:off x="8635784" y="5072301"/>
+            <a:ext cx="1102233" cy="369332"/>
+          </a:xfrm>
+          <a:prstGeom prst="rect">
+            <a:avLst/>
+          </a:prstGeom>
+          <a:noFill/>
+        </p:spPr>
+        <p:txBody>
+          <a:bodyPr wrap="square" rtlCol="0">
+            <a:spAutoFit/>
+          </a:bodyPr>
+          <a:lstStyle/>
+          <a:p>
+            <a:r>
+              <a:rPr lang="zh-CN" altLang="en-US" dirty="0">
+                <a:latin typeface="微软雅黑" panose="020B0503020204020204" pitchFamily="34" charset="-122"/>
+                <a:ea typeface="微软雅黑" panose="020B0503020204020204" pitchFamily="34" charset="-122"/>
+              </a:rPr>
+              <a:t>原水印</a:t>
+            </a:r>
+          </a:p>
+        </p:txBody>
+      </p:sp>
+      <p:sp>
+        <p:nvSpPr>
+          <p:cNvPr id="15" name="文本框 14">
+            <a:extLst>
+              <a:ext uri="{FF2B5EF4-FFF2-40B4-BE49-F238E27FC236}">
+                <a16:creationId xmlns:a16="http://schemas.microsoft.com/office/drawing/2014/main" id="{73793A00-872F-44F5-B5A8-E8182D61B390}"/>
+              </a:ext>
+            </a:extLst>
+          </p:cNvPr>
+          <p:cNvSpPr txBox="1"/>
+          <p:nvPr/>
+        </p:nvSpPr>
+        <p:spPr>
+          <a:xfrm>
+            <a:off x="9964483" y="5072301"/>
+            <a:ext cx="1102233" cy="369332"/>
+          </a:xfrm>
+          <a:prstGeom prst="rect">
+            <a:avLst/>
+          </a:prstGeom>
+          <a:noFill/>
+        </p:spPr>
+        <p:txBody>
+          <a:bodyPr wrap="square" rtlCol="0">
+            <a:spAutoFit/>
+          </a:bodyPr>
+          <a:lstStyle/>
+          <a:p>
+            <a:r>
+              <a:rPr lang="zh-CN" altLang="en-US" dirty="0">
+                <a:latin typeface="微软雅黑" panose="020B0503020204020204" pitchFamily="34" charset="-122"/>
+                <a:ea typeface="微软雅黑" panose="020B0503020204020204" pitchFamily="34" charset="-122"/>
+              </a:rPr>
+              <a:t>提取水印</a:t>
+            </a:r>
+          </a:p>
+        </p:txBody>
+      </p:sp>
     </p:spTree>
     <p:extLst>
       <p:ext uri="{BB962C8B-B14F-4D97-AF65-F5344CB8AC3E}">
@@ -4913,7 +6475,12 @@
             <p:ph type="title"/>
           </p:nvPr>
         </p:nvSpPr>
-        <p:spPr/>
+        <p:spPr>
+          <a:xfrm>
+            <a:off x="0" y="0"/>
+            <a:ext cx="10515600" cy="1325563"/>
+          </a:xfrm>
+        </p:spPr>
         <p:txBody>
           <a:bodyPr/>
           <a:lstStyle/>
@@ -4948,13 +6515,21 @@
             <p:ph idx="1"/>
           </p:nvPr>
         </p:nvSpPr>
-        <p:spPr/>
+        <p:spPr>
+          <a:xfrm>
+            <a:off x="786267" y="1463946"/>
+            <a:ext cx="10515600" cy="1284500"/>
+          </a:xfrm>
+        </p:spPr>
         <p:txBody>
           <a:bodyPr>
             <a:normAutofit/>
           </a:bodyPr>
           <a:lstStyle/>
           <a:p>
+            <a:pPr marL="0" indent="0">
+              <a:buNone/>
+            </a:pPr>
             <a:r>
               <a:rPr lang="zh-CN" altLang="en-US" dirty="0">
                 <a:latin typeface="微软雅黑" panose="020B0503020204020204" pitchFamily="34" charset="-122"/>
@@ -5048,7 +6623,7 @@
         </p:blipFill>
         <p:spPr>
           <a:xfrm>
-            <a:off x="1182845" y="3483968"/>
+            <a:off x="932405" y="3128691"/>
             <a:ext cx="2827932" cy="2827932"/>
           </a:xfrm>
           <a:prstGeom prst="rect">
@@ -5084,7 +6659,7 @@
         </p:blipFill>
         <p:spPr>
           <a:xfrm>
-            <a:off x="4704713" y="3483968"/>
+            <a:off x="4682034" y="3128691"/>
             <a:ext cx="2827932" cy="2827932"/>
           </a:xfrm>
           <a:prstGeom prst="rect">
@@ -5120,7 +6695,7 @@
         </p:blipFill>
         <p:spPr>
           <a:xfrm>
-            <a:off x="8226582" y="3936464"/>
+            <a:off x="8431663" y="4109554"/>
             <a:ext cx="677149" cy="677149"/>
           </a:xfrm>
           <a:prstGeom prst="rect">
@@ -5156,7 +6731,7 @@
         </p:blipFill>
         <p:spPr>
           <a:xfrm>
-            <a:off x="8226583" y="5056714"/>
+            <a:off x="9824557" y="4109555"/>
             <a:ext cx="677148" cy="677148"/>
           </a:xfrm>
           <a:prstGeom prst="rect">
@@ -5164,6 +6739,201 @@
           </a:prstGeom>
         </p:spPr>
       </p:pic>
+      <p:cxnSp>
+        <p:nvCxnSpPr>
+          <p:cNvPr id="8" name="直接连接符 7">
+            <a:extLst>
+              <a:ext uri="{FF2B5EF4-FFF2-40B4-BE49-F238E27FC236}">
+                <a16:creationId xmlns:a16="http://schemas.microsoft.com/office/drawing/2014/main" id="{16DC1F84-EFB3-432E-9CAB-2FBCD91FB67C}"/>
+              </a:ext>
+            </a:extLst>
+          </p:cNvPr>
+          <p:cNvCxnSpPr>
+            <a:cxnSpLocks/>
+          </p:cNvCxnSpPr>
+          <p:nvPr/>
+        </p:nvCxnSpPr>
+        <p:spPr>
+          <a:xfrm>
+            <a:off x="0" y="1048358"/>
+            <a:ext cx="1572535" cy="0"/>
+          </a:xfrm>
+          <a:prstGeom prst="line">
+            <a:avLst/>
+          </a:prstGeom>
+          <a:ln w="19050">
+            <a:solidFill>
+              <a:schemeClr val="tx1"/>
+            </a:solidFill>
+          </a:ln>
+        </p:spPr>
+        <p:style>
+          <a:lnRef idx="1">
+            <a:schemeClr val="accent1"/>
+          </a:lnRef>
+          <a:fillRef idx="0">
+            <a:schemeClr val="accent1"/>
+          </a:fillRef>
+          <a:effectRef idx="0">
+            <a:schemeClr val="accent1"/>
+          </a:effectRef>
+          <a:fontRef idx="minor">
+            <a:schemeClr val="tx1"/>
+          </a:fontRef>
+        </p:style>
+      </p:cxnSp>
+      <p:sp>
+        <p:nvSpPr>
+          <p:cNvPr id="10" name="文本框 9">
+            <a:extLst>
+              <a:ext uri="{FF2B5EF4-FFF2-40B4-BE49-F238E27FC236}">
+                <a16:creationId xmlns:a16="http://schemas.microsoft.com/office/drawing/2014/main" id="{8F1B54B5-D58E-45B4-975E-FE865B9D1B85}"/>
+              </a:ext>
+            </a:extLst>
+          </p:cNvPr>
+          <p:cNvSpPr txBox="1"/>
+          <p:nvPr/>
+        </p:nvSpPr>
+        <p:spPr>
+          <a:xfrm>
+            <a:off x="2011479" y="6037099"/>
+            <a:ext cx="669783" cy="369332"/>
+          </a:xfrm>
+          <a:prstGeom prst="rect">
+            <a:avLst/>
+          </a:prstGeom>
+          <a:noFill/>
+        </p:spPr>
+        <p:txBody>
+          <a:bodyPr wrap="square" rtlCol="0">
+            <a:spAutoFit/>
+          </a:bodyPr>
+          <a:lstStyle/>
+          <a:p>
+            <a:r>
+              <a:rPr lang="zh-CN" altLang="en-US" dirty="0">
+                <a:latin typeface="微软雅黑" panose="020B0503020204020204" pitchFamily="34" charset="-122"/>
+                <a:ea typeface="微软雅黑" panose="020B0503020204020204" pitchFamily="34" charset="-122"/>
+              </a:rPr>
+              <a:t>原图</a:t>
+            </a:r>
+          </a:p>
+        </p:txBody>
+      </p:sp>
+      <p:sp>
+        <p:nvSpPr>
+          <p:cNvPr id="12" name="文本框 11">
+            <a:extLst>
+              <a:ext uri="{FF2B5EF4-FFF2-40B4-BE49-F238E27FC236}">
+                <a16:creationId xmlns:a16="http://schemas.microsoft.com/office/drawing/2014/main" id="{B93F3F66-E4DD-4902-B270-04BFF1C59844}"/>
+              </a:ext>
+            </a:extLst>
+          </p:cNvPr>
+          <p:cNvSpPr txBox="1"/>
+          <p:nvPr/>
+        </p:nvSpPr>
+        <p:spPr>
+          <a:xfrm>
+            <a:off x="5544883" y="6037099"/>
+            <a:ext cx="1102233" cy="369332"/>
+          </a:xfrm>
+          <a:prstGeom prst="rect">
+            <a:avLst/>
+          </a:prstGeom>
+          <a:noFill/>
+        </p:spPr>
+        <p:txBody>
+          <a:bodyPr wrap="square" rtlCol="0">
+            <a:spAutoFit/>
+          </a:bodyPr>
+          <a:lstStyle/>
+          <a:p>
+            <a:r>
+              <a:rPr lang="zh-CN" altLang="en-US" dirty="0">
+                <a:latin typeface="微软雅黑" panose="020B0503020204020204" pitchFamily="34" charset="-122"/>
+                <a:ea typeface="微软雅黑" panose="020B0503020204020204" pitchFamily="34" charset="-122"/>
+              </a:rPr>
+              <a:t>含水印图</a:t>
+            </a:r>
+          </a:p>
+        </p:txBody>
+      </p:sp>
+      <p:sp>
+        <p:nvSpPr>
+          <p:cNvPr id="15" name="文本框 14">
+            <a:extLst>
+              <a:ext uri="{FF2B5EF4-FFF2-40B4-BE49-F238E27FC236}">
+                <a16:creationId xmlns:a16="http://schemas.microsoft.com/office/drawing/2014/main" id="{A240B5DF-710A-4563-B196-8D5F816A9E7D}"/>
+              </a:ext>
+            </a:extLst>
+          </p:cNvPr>
+          <p:cNvSpPr txBox="1"/>
+          <p:nvPr/>
+        </p:nvSpPr>
+        <p:spPr>
+          <a:xfrm>
+            <a:off x="8344574" y="4891751"/>
+            <a:ext cx="1102233" cy="369332"/>
+          </a:xfrm>
+          <a:prstGeom prst="rect">
+            <a:avLst/>
+          </a:prstGeom>
+          <a:noFill/>
+        </p:spPr>
+        <p:txBody>
+          <a:bodyPr wrap="square" rtlCol="0">
+            <a:spAutoFit/>
+          </a:bodyPr>
+          <a:lstStyle/>
+          <a:p>
+            <a:r>
+              <a:rPr lang="zh-CN" altLang="en-US" dirty="0">
+                <a:latin typeface="微软雅黑" panose="020B0503020204020204" pitchFamily="34" charset="-122"/>
+                <a:ea typeface="微软雅黑" panose="020B0503020204020204" pitchFamily="34" charset="-122"/>
+              </a:rPr>
+              <a:t>原水印</a:t>
+            </a:r>
+          </a:p>
+        </p:txBody>
+      </p:sp>
+      <p:sp>
+        <p:nvSpPr>
+          <p:cNvPr id="16" name="文本框 15">
+            <a:extLst>
+              <a:ext uri="{FF2B5EF4-FFF2-40B4-BE49-F238E27FC236}">
+                <a16:creationId xmlns:a16="http://schemas.microsoft.com/office/drawing/2014/main" id="{3CBAC90A-EDD9-44C9-A3A9-C58E3694168A}"/>
+              </a:ext>
+            </a:extLst>
+          </p:cNvPr>
+          <p:cNvSpPr txBox="1"/>
+          <p:nvPr/>
+        </p:nvSpPr>
+        <p:spPr>
+          <a:xfrm>
+            <a:off x="9661624" y="4891751"/>
+            <a:ext cx="1102233" cy="369332"/>
+          </a:xfrm>
+          <a:prstGeom prst="rect">
+            <a:avLst/>
+          </a:prstGeom>
+          <a:noFill/>
+        </p:spPr>
+        <p:txBody>
+          <a:bodyPr wrap="square" rtlCol="0">
+            <a:spAutoFit/>
+          </a:bodyPr>
+          <a:lstStyle/>
+          <a:p>
+            <a:r>
+              <a:rPr lang="zh-CN" altLang="en-US" dirty="0">
+                <a:latin typeface="微软雅黑" panose="020B0503020204020204" pitchFamily="34" charset="-122"/>
+                <a:ea typeface="微软雅黑" panose="020B0503020204020204" pitchFamily="34" charset="-122"/>
+              </a:rPr>
+              <a:t>提取水印</a:t>
+            </a:r>
+          </a:p>
+        </p:txBody>
+      </p:sp>
     </p:spTree>
     <p:extLst>
       <p:ext uri="{BB962C8B-B14F-4D97-AF65-F5344CB8AC3E}">
@@ -5210,7 +6980,12 @@
             <p:ph type="title"/>
           </p:nvPr>
         </p:nvSpPr>
-        <p:spPr/>
+        <p:spPr>
+          <a:xfrm>
+            <a:off x="0" y="0"/>
+            <a:ext cx="10515600" cy="1325563"/>
+          </a:xfrm>
+        </p:spPr>
         <p:txBody>
           <a:bodyPr/>
           <a:lstStyle/>
@@ -5248,19 +7023,41 @@
             <p:ph idx="1"/>
           </p:nvPr>
         </p:nvSpPr>
-        <p:spPr/>
+        <p:spPr>
+          <a:xfrm>
+            <a:off x="838200" y="1457982"/>
+            <a:ext cx="10515600" cy="1325558"/>
+          </a:xfrm>
+        </p:spPr>
         <p:txBody>
           <a:bodyPr>
             <a:normAutofit/>
           </a:bodyPr>
           <a:lstStyle/>
           <a:p>
+            <a:pPr marL="0" indent="0">
+              <a:buNone/>
+            </a:pPr>
             <a:r>
               <a:rPr lang="zh-CN" altLang="en-US" dirty="0">
                 <a:latin typeface="微软雅黑" panose="020B0503020204020204" pitchFamily="34" charset="-122"/>
                 <a:ea typeface="微软雅黑" panose="020B0503020204020204" pitchFamily="34" charset="-122"/>
               </a:rPr>
-              <a:t>一种将图片信息分散打乱的算法，经过几轮迭代才能将图片彻底置乱。不过该置乱并不能抗裁剪、缩放等攻击，算法要求较高，需要图片尺寸没有变化。但是可以抗裁剪和部分遮挡。</a:t>
+              <a:t>一种将图片信息分散打乱的算法，经过几轮迭代才能将图片彻底置乱。对于</a:t>
+            </a:r>
+            <a:r>
+              <a:rPr lang="en-US" altLang="zh-CN" dirty="0">
+                <a:latin typeface="微软雅黑" panose="020B0503020204020204" pitchFamily="34" charset="-122"/>
+                <a:ea typeface="微软雅黑" panose="020B0503020204020204" pitchFamily="34" charset="-122"/>
+              </a:rPr>
+              <a:t>LSB</a:t>
+            </a:r>
+            <a:r>
+              <a:rPr lang="zh-CN" altLang="en-US" dirty="0">
+                <a:latin typeface="微软雅黑" panose="020B0503020204020204" pitchFamily="34" charset="-122"/>
+                <a:ea typeface="微软雅黑" panose="020B0503020204020204" pitchFamily="34" charset="-122"/>
+              </a:rPr>
+              <a:t>算法，将水印图片置乱后再嵌入原图可以再一定程度上抵抗裁剪和部分遮挡攻击。</a:t>
             </a:r>
             <a:endParaRPr lang="en-US" altLang="zh-CN" dirty="0">
               <a:latin typeface="微软雅黑" panose="020B0503020204020204" pitchFamily="34" charset="-122"/>
@@ -5272,6 +7069,359 @@
               <a:latin typeface="微软雅黑" panose="020B0503020204020204" pitchFamily="34" charset="-122"/>
               <a:ea typeface="微软雅黑" panose="020B0503020204020204" pitchFamily="34" charset="-122"/>
             </a:endParaRPr>
+          </a:p>
+        </p:txBody>
+      </p:sp>
+      <p:cxnSp>
+        <p:nvCxnSpPr>
+          <p:cNvPr id="4" name="直接连接符 3">
+            <a:extLst>
+              <a:ext uri="{FF2B5EF4-FFF2-40B4-BE49-F238E27FC236}">
+                <a16:creationId xmlns:a16="http://schemas.microsoft.com/office/drawing/2014/main" id="{75D43F05-6284-4D29-9126-BBD25DD95D99}"/>
+              </a:ext>
+            </a:extLst>
+          </p:cNvPr>
+          <p:cNvCxnSpPr>
+            <a:cxnSpLocks/>
+          </p:cNvCxnSpPr>
+          <p:nvPr/>
+        </p:nvCxnSpPr>
+        <p:spPr>
+          <a:xfrm>
+            <a:off x="0" y="1048358"/>
+            <a:ext cx="3086828" cy="0"/>
+          </a:xfrm>
+          <a:prstGeom prst="line">
+            <a:avLst/>
+          </a:prstGeom>
+          <a:ln w="19050">
+            <a:solidFill>
+              <a:schemeClr val="tx1"/>
+            </a:solidFill>
+          </a:ln>
+        </p:spPr>
+        <p:style>
+          <a:lnRef idx="1">
+            <a:schemeClr val="accent1"/>
+          </a:lnRef>
+          <a:fillRef idx="0">
+            <a:schemeClr val="accent1"/>
+          </a:fillRef>
+          <a:effectRef idx="0">
+            <a:schemeClr val="accent1"/>
+          </a:effectRef>
+          <a:fontRef idx="minor">
+            <a:schemeClr val="tx1"/>
+          </a:fontRef>
+        </p:style>
+      </p:cxnSp>
+      <p:pic>
+        <p:nvPicPr>
+          <p:cNvPr id="6" name="图片 5">
+            <a:extLst>
+              <a:ext uri="{FF2B5EF4-FFF2-40B4-BE49-F238E27FC236}">
+                <a16:creationId xmlns:a16="http://schemas.microsoft.com/office/drawing/2014/main" id="{A3414B3E-1DF7-4943-A83F-CC7A5E1A5080}"/>
+              </a:ext>
+            </a:extLst>
+          </p:cNvPr>
+          <p:cNvPicPr>
+            <a:picLocks noChangeAspect="1"/>
+          </p:cNvPicPr>
+          <p:nvPr/>
+        </p:nvPicPr>
+        <p:blipFill>
+          <a:blip r:embed="rId2">
+            <a:extLst>
+              <a:ext uri="{28A0092B-C50C-407E-A947-70E740481C1C}">
+                <a14:useLocalDpi xmlns:a14="http://schemas.microsoft.com/office/drawing/2010/main" val="0"/>
+              </a:ext>
+            </a:extLst>
+          </a:blip>
+          <a:stretch>
+            <a:fillRect/>
+          </a:stretch>
+        </p:blipFill>
+        <p:spPr>
+          <a:xfrm>
+            <a:off x="7896524" y="2901562"/>
+            <a:ext cx="1600012" cy="1600012"/>
+          </a:xfrm>
+          <a:prstGeom prst="rect">
+            <a:avLst/>
+          </a:prstGeom>
+        </p:spPr>
+      </p:pic>
+      <p:pic>
+        <p:nvPicPr>
+          <p:cNvPr id="7" name="图片 6">
+            <a:extLst>
+              <a:ext uri="{FF2B5EF4-FFF2-40B4-BE49-F238E27FC236}">
+                <a16:creationId xmlns:a16="http://schemas.microsoft.com/office/drawing/2014/main" id="{07456281-8CA9-4D2E-8135-2C274EE49F42}"/>
+              </a:ext>
+            </a:extLst>
+          </p:cNvPr>
+          <p:cNvPicPr>
+            <a:picLocks noChangeAspect="1"/>
+          </p:cNvPicPr>
+          <p:nvPr/>
+        </p:nvPicPr>
+        <p:blipFill>
+          <a:blip r:embed="rId3">
+            <a:extLst>
+              <a:ext uri="{28A0092B-C50C-407E-A947-70E740481C1C}">
+                <a14:useLocalDpi xmlns:a14="http://schemas.microsoft.com/office/drawing/2010/main" val="0"/>
+              </a:ext>
+            </a:extLst>
+          </a:blip>
+          <a:stretch>
+            <a:fillRect/>
+          </a:stretch>
+        </p:blipFill>
+        <p:spPr>
+          <a:xfrm>
+            <a:off x="2695464" y="2901562"/>
+            <a:ext cx="1600012" cy="1600012"/>
+          </a:xfrm>
+          <a:prstGeom prst="rect">
+            <a:avLst/>
+          </a:prstGeom>
+        </p:spPr>
+      </p:pic>
+      <p:pic>
+        <p:nvPicPr>
+          <p:cNvPr id="8" name="图片 7">
+            <a:extLst>
+              <a:ext uri="{FF2B5EF4-FFF2-40B4-BE49-F238E27FC236}">
+                <a16:creationId xmlns:a16="http://schemas.microsoft.com/office/drawing/2014/main" id="{6B610454-8837-4562-A472-3D05690302F6}"/>
+              </a:ext>
+            </a:extLst>
+          </p:cNvPr>
+          <p:cNvPicPr>
+            <a:picLocks noChangeAspect="1"/>
+          </p:cNvPicPr>
+          <p:nvPr/>
+        </p:nvPicPr>
+        <p:blipFill>
+          <a:blip r:embed="rId4">
+            <a:extLst>
+              <a:ext uri="{28A0092B-C50C-407E-A947-70E740481C1C}">
+                <a14:useLocalDpi xmlns:a14="http://schemas.microsoft.com/office/drawing/2010/main" val="0"/>
+              </a:ext>
+            </a:extLst>
+          </a:blip>
+          <a:stretch>
+            <a:fillRect/>
+          </a:stretch>
+        </p:blipFill>
+        <p:spPr>
+          <a:xfrm>
+            <a:off x="5248469" y="2901562"/>
+            <a:ext cx="1600012" cy="1600012"/>
+          </a:xfrm>
+          <a:prstGeom prst="rect">
+            <a:avLst/>
+          </a:prstGeom>
+        </p:spPr>
+      </p:pic>
+      <p:pic>
+        <p:nvPicPr>
+          <p:cNvPr id="9" name="图片 8">
+            <a:extLst>
+              <a:ext uri="{FF2B5EF4-FFF2-40B4-BE49-F238E27FC236}">
+                <a16:creationId xmlns:a16="http://schemas.microsoft.com/office/drawing/2014/main" id="{CEBD8082-A462-4BCD-B842-D1E86657A246}"/>
+              </a:ext>
+            </a:extLst>
+          </p:cNvPr>
+          <p:cNvPicPr>
+            <a:picLocks noChangeAspect="1"/>
+          </p:cNvPicPr>
+          <p:nvPr/>
+        </p:nvPicPr>
+        <p:blipFill>
+          <a:blip r:embed="rId3">
+            <a:extLst>
+              <a:ext uri="{28A0092B-C50C-407E-A947-70E740481C1C}">
+                <a14:useLocalDpi xmlns:a14="http://schemas.microsoft.com/office/drawing/2010/main" val="0"/>
+              </a:ext>
+            </a:extLst>
+          </a:blip>
+          <a:stretch>
+            <a:fillRect/>
+          </a:stretch>
+        </p:blipFill>
+        <p:spPr>
+          <a:xfrm>
+            <a:off x="2690587" y="5027125"/>
+            <a:ext cx="1600013" cy="1600013"/>
+          </a:xfrm>
+          <a:prstGeom prst="rect">
+            <a:avLst/>
+          </a:prstGeom>
+        </p:spPr>
+      </p:pic>
+      <p:pic>
+        <p:nvPicPr>
+          <p:cNvPr id="10" name="图片 9">
+            <a:extLst>
+              <a:ext uri="{FF2B5EF4-FFF2-40B4-BE49-F238E27FC236}">
+                <a16:creationId xmlns:a16="http://schemas.microsoft.com/office/drawing/2014/main" id="{0BD0C281-135A-4097-AE6A-198C4C16D3AF}"/>
+              </a:ext>
+            </a:extLst>
+          </p:cNvPr>
+          <p:cNvPicPr>
+            <a:picLocks noChangeAspect="1"/>
+          </p:cNvPicPr>
+          <p:nvPr/>
+        </p:nvPicPr>
+        <p:blipFill>
+          <a:blip r:embed="rId5">
+            <a:extLst>
+              <a:ext uri="{28A0092B-C50C-407E-A947-70E740481C1C}">
+                <a14:useLocalDpi xmlns:a14="http://schemas.microsoft.com/office/drawing/2010/main" val="0"/>
+              </a:ext>
+            </a:extLst>
+          </a:blip>
+          <a:stretch>
+            <a:fillRect/>
+          </a:stretch>
+        </p:blipFill>
+        <p:spPr>
+          <a:xfrm>
+            <a:off x="7896524" y="5009635"/>
+            <a:ext cx="1600012" cy="1600012"/>
+          </a:xfrm>
+          <a:prstGeom prst="rect">
+            <a:avLst/>
+          </a:prstGeom>
+        </p:spPr>
+      </p:pic>
+      <p:pic>
+        <p:nvPicPr>
+          <p:cNvPr id="11" name="图片 10">
+            <a:extLst>
+              <a:ext uri="{FF2B5EF4-FFF2-40B4-BE49-F238E27FC236}">
+                <a16:creationId xmlns:a16="http://schemas.microsoft.com/office/drawing/2014/main" id="{8D733662-1F34-4CC0-BD52-B628524B05A0}"/>
+              </a:ext>
+            </a:extLst>
+          </p:cNvPr>
+          <p:cNvPicPr>
+            <a:picLocks noChangeAspect="1"/>
+          </p:cNvPicPr>
+          <p:nvPr/>
+        </p:nvPicPr>
+        <p:blipFill>
+          <a:blip r:embed="rId4">
+            <a:extLst>
+              <a:ext uri="{28A0092B-C50C-407E-A947-70E740481C1C}">
+                <a14:useLocalDpi xmlns:a14="http://schemas.microsoft.com/office/drawing/2010/main" val="0"/>
+              </a:ext>
+            </a:extLst>
+          </a:blip>
+          <a:stretch>
+            <a:fillRect/>
+          </a:stretch>
+        </p:blipFill>
+        <p:spPr>
+          <a:xfrm>
+            <a:off x="5248469" y="5009635"/>
+            <a:ext cx="1600012" cy="1600012"/>
+          </a:xfrm>
+          <a:prstGeom prst="rect">
+            <a:avLst/>
+          </a:prstGeom>
+        </p:spPr>
+      </p:pic>
+      <p:sp>
+        <p:nvSpPr>
+          <p:cNvPr id="12" name="文本框 11">
+            <a:extLst>
+              <a:ext uri="{FF2B5EF4-FFF2-40B4-BE49-F238E27FC236}">
+                <a16:creationId xmlns:a16="http://schemas.microsoft.com/office/drawing/2014/main" id="{F428453E-F2AE-4BF5-9A79-DBBA638803CC}"/>
+              </a:ext>
+            </a:extLst>
+          </p:cNvPr>
+          <p:cNvSpPr txBox="1"/>
+          <p:nvPr/>
+        </p:nvSpPr>
+        <p:spPr>
+          <a:xfrm>
+            <a:off x="838199" y="3495850"/>
+            <a:ext cx="1205610" cy="400110"/>
+          </a:xfrm>
+          <a:prstGeom prst="rect">
+            <a:avLst/>
+          </a:prstGeom>
+          <a:noFill/>
+        </p:spPr>
+        <p:txBody>
+          <a:bodyPr wrap="square" rtlCol="0">
+            <a:spAutoFit/>
+          </a:bodyPr>
+          <a:lstStyle/>
+          <a:p>
+            <a:r>
+              <a:rPr lang="zh-CN" altLang="en-US" sz="2000" dirty="0">
+                <a:latin typeface="微软雅黑" panose="020B0503020204020204" pitchFamily="34" charset="-122"/>
+                <a:ea typeface="微软雅黑" panose="020B0503020204020204" pitchFamily="34" charset="-122"/>
+              </a:rPr>
+              <a:t>原始</a:t>
+            </a:r>
+            <a:r>
+              <a:rPr lang="en-US" altLang="zh-CN" sz="2000" dirty="0">
+                <a:latin typeface="微软雅黑" panose="020B0503020204020204" pitchFamily="34" charset="-122"/>
+                <a:ea typeface="微软雅黑" panose="020B0503020204020204" pitchFamily="34" charset="-122"/>
+              </a:rPr>
+              <a:t>LSB</a:t>
+            </a:r>
+            <a:endParaRPr lang="zh-CN" altLang="en-US" sz="2000" dirty="0">
+              <a:latin typeface="微软雅黑" panose="020B0503020204020204" pitchFamily="34" charset="-122"/>
+              <a:ea typeface="微软雅黑" panose="020B0503020204020204" pitchFamily="34" charset="-122"/>
+            </a:endParaRPr>
+          </a:p>
+        </p:txBody>
+      </p:sp>
+      <p:sp>
+        <p:nvSpPr>
+          <p:cNvPr id="13" name="文本框 12">
+            <a:extLst>
+              <a:ext uri="{FF2B5EF4-FFF2-40B4-BE49-F238E27FC236}">
+                <a16:creationId xmlns:a16="http://schemas.microsoft.com/office/drawing/2014/main" id="{50856A5C-C044-4A5A-86B0-0E5CD81F16DE}"/>
+              </a:ext>
+            </a:extLst>
+          </p:cNvPr>
+          <p:cNvSpPr txBox="1"/>
+          <p:nvPr/>
+        </p:nvSpPr>
+        <p:spPr>
+          <a:xfrm>
+            <a:off x="838199" y="5627076"/>
+            <a:ext cx="1852387" cy="400110"/>
+          </a:xfrm>
+          <a:prstGeom prst="rect">
+            <a:avLst/>
+          </a:prstGeom>
+          <a:noFill/>
+        </p:spPr>
+        <p:txBody>
+          <a:bodyPr wrap="square" rtlCol="0">
+            <a:spAutoFit/>
+          </a:bodyPr>
+          <a:lstStyle/>
+          <a:p>
+            <a:r>
+              <a:rPr lang="en-US" altLang="zh-CN" sz="2000" dirty="0">
+                <a:latin typeface="微软雅黑" panose="020B0503020204020204" pitchFamily="34" charset="-122"/>
+                <a:ea typeface="微软雅黑" panose="020B0503020204020204" pitchFamily="34" charset="-122"/>
+              </a:rPr>
+              <a:t>LSB+</a:t>
+            </a:r>
+            <a:r>
+              <a:rPr lang="zh-CN" altLang="en-US" sz="2000" dirty="0">
+                <a:latin typeface="微软雅黑" panose="020B0503020204020204" pitchFamily="34" charset="-122"/>
+                <a:ea typeface="微软雅黑" panose="020B0503020204020204" pitchFamily="34" charset="-122"/>
+              </a:rPr>
+              <a:t>水印置乱</a:t>
+            </a:r>
           </a:p>
         </p:txBody>
       </p:sp>
@@ -5305,12 +7455,730 @@
           <a:chExt cx="0" cy="0"/>
         </a:xfrm>
       </p:grpSpPr>
+      <p:sp>
+        <p:nvSpPr>
+          <p:cNvPr id="2" name="标题 1">
+            <a:extLst>
+              <a:ext uri="{FF2B5EF4-FFF2-40B4-BE49-F238E27FC236}">
+                <a16:creationId xmlns:a16="http://schemas.microsoft.com/office/drawing/2014/main" id="{955AE0A6-07F4-4B41-A052-591EE15197D9}"/>
+              </a:ext>
+            </a:extLst>
+          </p:cNvPr>
+          <p:cNvSpPr>
+            <a:spLocks noGrp="1"/>
+          </p:cNvSpPr>
+          <p:nvPr>
+            <p:ph type="title"/>
+          </p:nvPr>
+        </p:nvSpPr>
+        <p:spPr>
+          <a:xfrm>
+            <a:off x="0" y="0"/>
+            <a:ext cx="10515600" cy="1325563"/>
+          </a:xfrm>
+        </p:spPr>
+        <p:txBody>
+          <a:bodyPr/>
+          <a:lstStyle/>
+          <a:p>
+            <a:r>
+              <a:rPr lang="zh-CN" altLang="en-US" dirty="0">
+                <a:latin typeface="微软雅黑" panose="020B0503020204020204" pitchFamily="34" charset="-122"/>
+                <a:ea typeface="微软雅黑" panose="020B0503020204020204" pitchFamily="34" charset="-122"/>
+              </a:rPr>
+              <a:t>项目架构</a:t>
+            </a:r>
+          </a:p>
+        </p:txBody>
+      </p:sp>
+      <p:cxnSp>
+        <p:nvCxnSpPr>
+          <p:cNvPr id="4" name="直接连接符 3">
+            <a:extLst>
+              <a:ext uri="{FF2B5EF4-FFF2-40B4-BE49-F238E27FC236}">
+                <a16:creationId xmlns:a16="http://schemas.microsoft.com/office/drawing/2014/main" id="{D6DD53ED-E2B9-45E9-B1C9-28A6CD99C250}"/>
+              </a:ext>
+            </a:extLst>
+          </p:cNvPr>
+          <p:cNvCxnSpPr>
+            <a:cxnSpLocks/>
+          </p:cNvCxnSpPr>
+          <p:nvPr/>
+        </p:nvCxnSpPr>
+        <p:spPr>
+          <a:xfrm>
+            <a:off x="0" y="1048358"/>
+            <a:ext cx="2376275" cy="0"/>
+          </a:xfrm>
+          <a:prstGeom prst="line">
+            <a:avLst/>
+          </a:prstGeom>
+          <a:ln w="19050">
+            <a:solidFill>
+              <a:schemeClr val="tx1"/>
+            </a:solidFill>
+          </a:ln>
+        </p:spPr>
+        <p:style>
+          <a:lnRef idx="1">
+            <a:schemeClr val="accent1"/>
+          </a:lnRef>
+          <a:fillRef idx="0">
+            <a:schemeClr val="accent1"/>
+          </a:fillRef>
+          <a:effectRef idx="0">
+            <a:schemeClr val="accent1"/>
+          </a:effectRef>
+          <a:fontRef idx="minor">
+            <a:schemeClr val="tx1"/>
+          </a:fontRef>
+        </p:style>
+      </p:cxnSp>
+      <p:sp>
+        <p:nvSpPr>
+          <p:cNvPr id="7" name="矩形 6">
+            <a:extLst>
+              <a:ext uri="{FF2B5EF4-FFF2-40B4-BE49-F238E27FC236}">
+                <a16:creationId xmlns:a16="http://schemas.microsoft.com/office/drawing/2014/main" id="{B48F8E4B-26BA-4CD1-B55F-491B9D2F2D1C}"/>
+              </a:ext>
+            </a:extLst>
+          </p:cNvPr>
+          <p:cNvSpPr/>
+          <p:nvPr/>
+        </p:nvSpPr>
+        <p:spPr>
+          <a:xfrm>
+            <a:off x="4923394" y="667742"/>
+            <a:ext cx="4408922" cy="5697241"/>
+          </a:xfrm>
+          <a:prstGeom prst="rect">
+            <a:avLst/>
+          </a:prstGeom>
+          <a:solidFill>
+            <a:schemeClr val="accent1">
+              <a:lumMod val="20000"/>
+              <a:lumOff val="80000"/>
+            </a:schemeClr>
+          </a:solidFill>
+          <a:ln>
+            <a:noFill/>
+          </a:ln>
+        </p:spPr>
+        <p:style>
+          <a:lnRef idx="2">
+            <a:schemeClr val="accent1">
+              <a:shade val="50000"/>
+            </a:schemeClr>
+          </a:lnRef>
+          <a:fillRef idx="1">
+            <a:schemeClr val="accent1"/>
+          </a:fillRef>
+          <a:effectRef idx="0">
+            <a:schemeClr val="accent1"/>
+          </a:effectRef>
+          <a:fontRef idx="minor">
+            <a:schemeClr val="lt1"/>
+          </a:fontRef>
+        </p:style>
+        <p:txBody>
+          <a:bodyPr rtlCol="0" anchor="ctr"/>
+          <a:lstStyle/>
+          <a:p>
+            <a:pPr algn="ctr"/>
+            <a:endParaRPr lang="zh-CN" altLang="en-US" dirty="0"/>
+          </a:p>
+        </p:txBody>
+      </p:sp>
+      <p:sp>
+        <p:nvSpPr>
+          <p:cNvPr id="8" name="矩形 7">
+            <a:extLst>
+              <a:ext uri="{FF2B5EF4-FFF2-40B4-BE49-F238E27FC236}">
+                <a16:creationId xmlns:a16="http://schemas.microsoft.com/office/drawing/2014/main" id="{C8B41B1A-21B0-4E04-A0EC-2E4AB8680BE0}"/>
+              </a:ext>
+            </a:extLst>
+          </p:cNvPr>
+          <p:cNvSpPr/>
+          <p:nvPr/>
+        </p:nvSpPr>
+        <p:spPr>
+          <a:xfrm>
+            <a:off x="5325264" y="1375976"/>
+            <a:ext cx="3667794" cy="667456"/>
+          </a:xfrm>
+          <a:prstGeom prst="rect">
+            <a:avLst/>
+          </a:prstGeom>
+          <a:solidFill>
+            <a:srgbClr val="00B0F0"/>
+          </a:solidFill>
+          <a:ln>
+            <a:noFill/>
+          </a:ln>
+        </p:spPr>
+        <p:style>
+          <a:lnRef idx="2">
+            <a:schemeClr val="accent1">
+              <a:shade val="50000"/>
+            </a:schemeClr>
+          </a:lnRef>
+          <a:fillRef idx="1">
+            <a:schemeClr val="accent1"/>
+          </a:fillRef>
+          <a:effectRef idx="0">
+            <a:schemeClr val="accent1"/>
+          </a:effectRef>
+          <a:fontRef idx="minor">
+            <a:schemeClr val="lt1"/>
+          </a:fontRef>
+        </p:style>
+        <p:txBody>
+          <a:bodyPr rtlCol="0" anchor="ctr"/>
+          <a:lstStyle/>
+          <a:p>
+            <a:pPr algn="ctr"/>
+            <a:r>
+              <a:rPr lang="en-US" altLang="zh-CN" dirty="0">
+                <a:solidFill>
+                  <a:schemeClr val="tx1"/>
+                </a:solidFill>
+                <a:latin typeface="微软雅黑" panose="020B0503020204020204" pitchFamily="34" charset="-122"/>
+                <a:ea typeface="微软雅黑" panose="020B0503020204020204" pitchFamily="34" charset="-122"/>
+              </a:rPr>
+              <a:t>Nginx</a:t>
+            </a:r>
+            <a:endParaRPr lang="zh-CN" altLang="en-US" dirty="0">
+              <a:solidFill>
+                <a:schemeClr val="tx1"/>
+              </a:solidFill>
+              <a:latin typeface="微软雅黑" panose="020B0503020204020204" pitchFamily="34" charset="-122"/>
+              <a:ea typeface="微软雅黑" panose="020B0503020204020204" pitchFamily="34" charset="-122"/>
+            </a:endParaRPr>
+          </a:p>
+        </p:txBody>
+      </p:sp>
+      <p:sp>
+        <p:nvSpPr>
+          <p:cNvPr id="9" name="矩形 8">
+            <a:extLst>
+              <a:ext uri="{FF2B5EF4-FFF2-40B4-BE49-F238E27FC236}">
+                <a16:creationId xmlns:a16="http://schemas.microsoft.com/office/drawing/2014/main" id="{1ED99872-80D2-48C0-8ECA-FF7EEA8FDA17}"/>
+              </a:ext>
+            </a:extLst>
+          </p:cNvPr>
+          <p:cNvSpPr/>
+          <p:nvPr/>
+        </p:nvSpPr>
+        <p:spPr>
+          <a:xfrm>
+            <a:off x="7381207" y="3001307"/>
+            <a:ext cx="1611851" cy="956419"/>
+          </a:xfrm>
+          <a:prstGeom prst="rect">
+            <a:avLst/>
+          </a:prstGeom>
+          <a:solidFill>
+            <a:srgbClr val="FFFF00"/>
+          </a:solidFill>
+          <a:ln>
+            <a:noFill/>
+          </a:ln>
+        </p:spPr>
+        <p:style>
+          <a:lnRef idx="2">
+            <a:schemeClr val="accent1">
+              <a:shade val="50000"/>
+            </a:schemeClr>
+          </a:lnRef>
+          <a:fillRef idx="1">
+            <a:schemeClr val="accent1"/>
+          </a:fillRef>
+          <a:effectRef idx="0">
+            <a:schemeClr val="accent1"/>
+          </a:effectRef>
+          <a:fontRef idx="minor">
+            <a:schemeClr val="lt1"/>
+          </a:fontRef>
+        </p:style>
+        <p:txBody>
+          <a:bodyPr rtlCol="0" anchor="ctr"/>
+          <a:lstStyle/>
+          <a:p>
+            <a:pPr algn="ctr"/>
+            <a:r>
+              <a:rPr lang="en-US" altLang="zh-CN" dirty="0">
+                <a:solidFill>
+                  <a:schemeClr val="tx1"/>
+                </a:solidFill>
+                <a:latin typeface="微软雅黑" panose="020B0503020204020204" pitchFamily="34" charset="-122"/>
+                <a:ea typeface="微软雅黑" panose="020B0503020204020204" pitchFamily="34" charset="-122"/>
+              </a:rPr>
+              <a:t>Flask</a:t>
+            </a:r>
+            <a:endParaRPr lang="zh-CN" altLang="en-US" dirty="0">
+              <a:solidFill>
+                <a:schemeClr val="tx1"/>
+              </a:solidFill>
+              <a:latin typeface="微软雅黑" panose="020B0503020204020204" pitchFamily="34" charset="-122"/>
+              <a:ea typeface="微软雅黑" panose="020B0503020204020204" pitchFamily="34" charset="-122"/>
+            </a:endParaRPr>
+          </a:p>
+        </p:txBody>
+      </p:sp>
+      <p:sp>
+        <p:nvSpPr>
+          <p:cNvPr id="10" name="矩形 9">
+            <a:extLst>
+              <a:ext uri="{FF2B5EF4-FFF2-40B4-BE49-F238E27FC236}">
+                <a16:creationId xmlns:a16="http://schemas.microsoft.com/office/drawing/2014/main" id="{146E75EA-E5A1-4009-B4BC-2B5FAE833E3B}"/>
+              </a:ext>
+            </a:extLst>
+          </p:cNvPr>
+          <p:cNvSpPr/>
+          <p:nvPr/>
+        </p:nvSpPr>
+        <p:spPr>
+          <a:xfrm>
+            <a:off x="5325265" y="4643679"/>
+            <a:ext cx="3667794" cy="1314740"/>
+          </a:xfrm>
+          <a:prstGeom prst="rect">
+            <a:avLst/>
+          </a:prstGeom>
+          <a:solidFill>
+            <a:schemeClr val="accent4">
+              <a:lumMod val="60000"/>
+              <a:lumOff val="40000"/>
+            </a:schemeClr>
+          </a:solidFill>
+          <a:ln>
+            <a:noFill/>
+          </a:ln>
+        </p:spPr>
+        <p:style>
+          <a:lnRef idx="2">
+            <a:schemeClr val="accent1">
+              <a:shade val="50000"/>
+            </a:schemeClr>
+          </a:lnRef>
+          <a:fillRef idx="1">
+            <a:schemeClr val="accent1"/>
+          </a:fillRef>
+          <a:effectRef idx="0">
+            <a:schemeClr val="accent1"/>
+          </a:effectRef>
+          <a:fontRef idx="minor">
+            <a:schemeClr val="lt1"/>
+          </a:fontRef>
+        </p:style>
+        <p:txBody>
+          <a:bodyPr rtlCol="0" anchor="ctr"/>
+          <a:lstStyle/>
+          <a:p>
+            <a:pPr algn="ctr"/>
+            <a:r>
+              <a:rPr lang="en-US" altLang="zh-CN" dirty="0" err="1">
+                <a:solidFill>
+                  <a:schemeClr val="tx1"/>
+                </a:solidFill>
+                <a:latin typeface="微软雅黑" panose="020B0503020204020204" pitchFamily="34" charset="-122"/>
+                <a:ea typeface="微软雅黑" panose="020B0503020204020204" pitchFamily="34" charset="-122"/>
+              </a:rPr>
+              <a:t>PyWavelets</a:t>
+            </a:r>
+            <a:r>
+              <a:rPr lang="en-US" altLang="zh-CN" dirty="0">
+                <a:solidFill>
+                  <a:schemeClr val="tx1"/>
+                </a:solidFill>
+                <a:latin typeface="微软雅黑" panose="020B0503020204020204" pitchFamily="34" charset="-122"/>
+                <a:ea typeface="微软雅黑" panose="020B0503020204020204" pitchFamily="34" charset="-122"/>
+              </a:rPr>
+              <a:t> </a:t>
+            </a:r>
+            <a:r>
+              <a:rPr lang="en-US" altLang="zh-CN" dirty="0" err="1">
+                <a:solidFill>
+                  <a:schemeClr val="tx1"/>
+                </a:solidFill>
+                <a:latin typeface="微软雅黑" panose="020B0503020204020204" pitchFamily="34" charset="-122"/>
+                <a:ea typeface="微软雅黑" panose="020B0503020204020204" pitchFamily="34" charset="-122"/>
+              </a:rPr>
+              <a:t>Numpy</a:t>
+            </a:r>
+            <a:r>
+              <a:rPr lang="en-US" altLang="zh-CN" dirty="0">
+                <a:solidFill>
+                  <a:schemeClr val="tx1"/>
+                </a:solidFill>
+                <a:latin typeface="微软雅黑" panose="020B0503020204020204" pitchFamily="34" charset="-122"/>
+                <a:ea typeface="微软雅黑" panose="020B0503020204020204" pitchFamily="34" charset="-122"/>
+              </a:rPr>
+              <a:t> </a:t>
+            </a:r>
+            <a:r>
+              <a:rPr lang="en-US" altLang="zh-CN" dirty="0" err="1">
+                <a:solidFill>
+                  <a:schemeClr val="tx1"/>
+                </a:solidFill>
+                <a:latin typeface="微软雅黑" panose="020B0503020204020204" pitchFamily="34" charset="-122"/>
+                <a:ea typeface="微软雅黑" panose="020B0503020204020204" pitchFamily="34" charset="-122"/>
+              </a:rPr>
+              <a:t>Scipy</a:t>
+            </a:r>
+            <a:endParaRPr lang="zh-CN" altLang="en-US" dirty="0">
+              <a:solidFill>
+                <a:schemeClr val="tx1"/>
+              </a:solidFill>
+              <a:latin typeface="微软雅黑" panose="020B0503020204020204" pitchFamily="34" charset="-122"/>
+              <a:ea typeface="微软雅黑" panose="020B0503020204020204" pitchFamily="34" charset="-122"/>
+            </a:endParaRPr>
+          </a:p>
+        </p:txBody>
+      </p:sp>
+      <p:sp>
+        <p:nvSpPr>
+          <p:cNvPr id="11" name="矩形 10">
+            <a:extLst>
+              <a:ext uri="{FF2B5EF4-FFF2-40B4-BE49-F238E27FC236}">
+                <a16:creationId xmlns:a16="http://schemas.microsoft.com/office/drawing/2014/main" id="{174FFD36-41FE-4465-B284-00947913B642}"/>
+              </a:ext>
+            </a:extLst>
+          </p:cNvPr>
+          <p:cNvSpPr/>
+          <p:nvPr/>
+        </p:nvSpPr>
+        <p:spPr>
+          <a:xfrm>
+            <a:off x="5336186" y="2999851"/>
+            <a:ext cx="1611851" cy="957875"/>
+          </a:xfrm>
+          <a:prstGeom prst="rect">
+            <a:avLst/>
+          </a:prstGeom>
+          <a:solidFill>
+            <a:schemeClr val="accent6">
+              <a:lumMod val="60000"/>
+              <a:lumOff val="40000"/>
+            </a:schemeClr>
+          </a:solidFill>
+          <a:ln>
+            <a:noFill/>
+          </a:ln>
+        </p:spPr>
+        <p:style>
+          <a:lnRef idx="2">
+            <a:schemeClr val="accent1">
+              <a:shade val="50000"/>
+            </a:schemeClr>
+          </a:lnRef>
+          <a:fillRef idx="1">
+            <a:schemeClr val="accent1"/>
+          </a:fillRef>
+          <a:effectRef idx="0">
+            <a:schemeClr val="accent1"/>
+          </a:effectRef>
+          <a:fontRef idx="minor">
+            <a:schemeClr val="lt1"/>
+          </a:fontRef>
+        </p:style>
+        <p:txBody>
+          <a:bodyPr rtlCol="0" anchor="ctr"/>
+          <a:lstStyle/>
+          <a:p>
+            <a:pPr algn="ctr"/>
+            <a:r>
+              <a:rPr lang="en-US" altLang="zh-CN" dirty="0" err="1">
+                <a:solidFill>
+                  <a:schemeClr val="tx1"/>
+                </a:solidFill>
+                <a:latin typeface="微软雅黑" panose="020B0503020204020204" pitchFamily="34" charset="-122"/>
+                <a:ea typeface="微软雅黑" panose="020B0503020204020204" pitchFamily="34" charset="-122"/>
+              </a:rPr>
+              <a:t>UIkit+jQuery</a:t>
+            </a:r>
+            <a:endParaRPr lang="zh-CN" altLang="en-US" dirty="0">
+              <a:solidFill>
+                <a:schemeClr val="tx1"/>
+              </a:solidFill>
+              <a:latin typeface="微软雅黑" panose="020B0503020204020204" pitchFamily="34" charset="-122"/>
+              <a:ea typeface="微软雅黑" panose="020B0503020204020204" pitchFamily="34" charset="-122"/>
+            </a:endParaRPr>
+          </a:p>
+        </p:txBody>
+      </p:sp>
+      <p:sp>
+        <p:nvSpPr>
+          <p:cNvPr id="12" name="文本框 11">
+            <a:extLst>
+              <a:ext uri="{FF2B5EF4-FFF2-40B4-BE49-F238E27FC236}">
+                <a16:creationId xmlns:a16="http://schemas.microsoft.com/office/drawing/2014/main" id="{4CA33438-55FE-4381-BEC7-6E63F0A92899}"/>
+              </a:ext>
+            </a:extLst>
+          </p:cNvPr>
+          <p:cNvSpPr txBox="1"/>
+          <p:nvPr/>
+        </p:nvSpPr>
+        <p:spPr>
+          <a:xfrm>
+            <a:off x="4964164" y="713193"/>
+            <a:ext cx="1590007" cy="369332"/>
+          </a:xfrm>
+          <a:prstGeom prst="rect">
+            <a:avLst/>
+          </a:prstGeom>
+          <a:noFill/>
+        </p:spPr>
+        <p:txBody>
+          <a:bodyPr wrap="square" rtlCol="0">
+            <a:spAutoFit/>
+          </a:bodyPr>
+          <a:lstStyle/>
+          <a:p>
+            <a:r>
+              <a:rPr lang="en-US" altLang="zh-CN" dirty="0">
+                <a:latin typeface="微软雅黑" panose="020B0503020204020204" pitchFamily="34" charset="-122"/>
+                <a:ea typeface="微软雅黑" panose="020B0503020204020204" pitchFamily="34" charset="-122"/>
+              </a:rPr>
+              <a:t>Docker</a:t>
+            </a:r>
+            <a:endParaRPr lang="zh-CN" altLang="en-US" dirty="0">
+              <a:latin typeface="微软雅黑" panose="020B0503020204020204" pitchFamily="34" charset="-122"/>
+              <a:ea typeface="微软雅黑" panose="020B0503020204020204" pitchFamily="34" charset="-122"/>
+            </a:endParaRPr>
+          </a:p>
+        </p:txBody>
+      </p:sp>
+      <p:cxnSp>
+        <p:nvCxnSpPr>
+          <p:cNvPr id="16" name="直接箭头连接符 15">
+            <a:extLst>
+              <a:ext uri="{FF2B5EF4-FFF2-40B4-BE49-F238E27FC236}">
+                <a16:creationId xmlns:a16="http://schemas.microsoft.com/office/drawing/2014/main" id="{17B872F3-93FC-42B2-B9FB-0A6DA3275AEF}"/>
+              </a:ext>
+            </a:extLst>
+          </p:cNvPr>
+          <p:cNvCxnSpPr>
+            <a:cxnSpLocks/>
+            <a:stCxn id="8" idx="2"/>
+            <a:endCxn id="9" idx="0"/>
+          </p:cNvCxnSpPr>
+          <p:nvPr/>
+        </p:nvCxnSpPr>
+        <p:spPr>
+          <a:xfrm>
+            <a:off x="7159161" y="2043432"/>
+            <a:ext cx="1027972" cy="957875"/>
+          </a:xfrm>
+          <a:prstGeom prst="straightConnector1">
+            <a:avLst/>
+          </a:prstGeom>
+          <a:ln w="19050">
+            <a:solidFill>
+              <a:schemeClr val="tx1"/>
+            </a:solidFill>
+            <a:tailEnd type="triangle"/>
+          </a:ln>
+        </p:spPr>
+        <p:style>
+          <a:lnRef idx="1">
+            <a:schemeClr val="accent1"/>
+          </a:lnRef>
+          <a:fillRef idx="0">
+            <a:schemeClr val="accent1"/>
+          </a:fillRef>
+          <a:effectRef idx="0">
+            <a:schemeClr val="accent1"/>
+          </a:effectRef>
+          <a:fontRef idx="minor">
+            <a:schemeClr val="tx1"/>
+          </a:fontRef>
+        </p:style>
+      </p:cxnSp>
+      <p:cxnSp>
+        <p:nvCxnSpPr>
+          <p:cNvPr id="17" name="直接箭头连接符 16">
+            <a:extLst>
+              <a:ext uri="{FF2B5EF4-FFF2-40B4-BE49-F238E27FC236}">
+                <a16:creationId xmlns:a16="http://schemas.microsoft.com/office/drawing/2014/main" id="{CB1EDC66-3AD1-4C51-AE00-13E735E36855}"/>
+              </a:ext>
+            </a:extLst>
+          </p:cNvPr>
+          <p:cNvCxnSpPr>
+            <a:cxnSpLocks/>
+            <a:stCxn id="8" idx="2"/>
+            <a:endCxn id="11" idx="0"/>
+          </p:cNvCxnSpPr>
+          <p:nvPr/>
+        </p:nvCxnSpPr>
+        <p:spPr>
+          <a:xfrm flipH="1">
+            <a:off x="6142112" y="2043432"/>
+            <a:ext cx="1017049" cy="956419"/>
+          </a:xfrm>
+          <a:prstGeom prst="straightConnector1">
+            <a:avLst/>
+          </a:prstGeom>
+          <a:ln w="19050">
+            <a:solidFill>
+              <a:schemeClr val="tx1"/>
+            </a:solidFill>
+            <a:tailEnd type="triangle"/>
+          </a:ln>
+        </p:spPr>
+        <p:style>
+          <a:lnRef idx="1">
+            <a:schemeClr val="accent1"/>
+          </a:lnRef>
+          <a:fillRef idx="0">
+            <a:schemeClr val="accent1"/>
+          </a:fillRef>
+          <a:effectRef idx="0">
+            <a:schemeClr val="accent1"/>
+          </a:effectRef>
+          <a:fontRef idx="minor">
+            <a:schemeClr val="tx1"/>
+          </a:fontRef>
+        </p:style>
+      </p:cxnSp>
+      <p:sp>
+        <p:nvSpPr>
+          <p:cNvPr id="29" name="文本框 28">
+            <a:extLst>
+              <a:ext uri="{FF2B5EF4-FFF2-40B4-BE49-F238E27FC236}">
+                <a16:creationId xmlns:a16="http://schemas.microsoft.com/office/drawing/2014/main" id="{4D35E222-CD06-480B-B40D-99224F13227C}"/>
+              </a:ext>
+            </a:extLst>
+          </p:cNvPr>
+          <p:cNvSpPr txBox="1"/>
+          <p:nvPr/>
+        </p:nvSpPr>
+        <p:spPr>
+          <a:xfrm>
+            <a:off x="5754803" y="2268370"/>
+            <a:ext cx="1590007" cy="369332"/>
+          </a:xfrm>
+          <a:prstGeom prst="rect">
+            <a:avLst/>
+          </a:prstGeom>
+          <a:noFill/>
+        </p:spPr>
+        <p:txBody>
+          <a:bodyPr wrap="square" rtlCol="0">
+            <a:spAutoFit/>
+          </a:bodyPr>
+          <a:lstStyle/>
+          <a:p>
+            <a:r>
+              <a:rPr lang="en-US" altLang="zh-CN" dirty="0">
+                <a:latin typeface="微软雅黑" panose="020B0503020204020204" pitchFamily="34" charset="-122"/>
+                <a:ea typeface="微软雅黑" panose="020B0503020204020204" pitchFamily="34" charset="-122"/>
+              </a:rPr>
+              <a:t>UI</a:t>
+            </a:r>
+            <a:r>
+              <a:rPr lang="zh-CN" altLang="en-US" dirty="0">
+                <a:latin typeface="微软雅黑" panose="020B0503020204020204" pitchFamily="34" charset="-122"/>
+                <a:ea typeface="微软雅黑" panose="020B0503020204020204" pitchFamily="34" charset="-122"/>
+              </a:rPr>
+              <a:t>资源</a:t>
+            </a:r>
+          </a:p>
+        </p:txBody>
+      </p:sp>
+      <p:sp>
+        <p:nvSpPr>
+          <p:cNvPr id="30" name="文本框 29">
+            <a:extLst>
+              <a:ext uri="{FF2B5EF4-FFF2-40B4-BE49-F238E27FC236}">
+                <a16:creationId xmlns:a16="http://schemas.microsoft.com/office/drawing/2014/main" id="{FE2C41F5-1F84-4344-B745-83763A7C6438}"/>
+              </a:ext>
+            </a:extLst>
+          </p:cNvPr>
+          <p:cNvSpPr txBox="1"/>
+          <p:nvPr/>
+        </p:nvSpPr>
+        <p:spPr>
+          <a:xfrm>
+            <a:off x="7593064" y="2268370"/>
+            <a:ext cx="1590007" cy="369332"/>
+          </a:xfrm>
+          <a:prstGeom prst="rect">
+            <a:avLst/>
+          </a:prstGeom>
+          <a:noFill/>
+        </p:spPr>
+        <p:txBody>
+          <a:bodyPr wrap="square" rtlCol="0">
+            <a:spAutoFit/>
+          </a:bodyPr>
+          <a:lstStyle/>
+          <a:p>
+            <a:r>
+              <a:rPr lang="en-US" altLang="zh-CN" dirty="0">
+                <a:latin typeface="微软雅黑" panose="020B0503020204020204" pitchFamily="34" charset="-122"/>
+                <a:ea typeface="微软雅黑" panose="020B0503020204020204" pitchFamily="34" charset="-122"/>
+              </a:rPr>
+              <a:t>API</a:t>
+            </a:r>
+            <a:endParaRPr lang="zh-CN" altLang="en-US" dirty="0">
+              <a:latin typeface="微软雅黑" panose="020B0503020204020204" pitchFamily="34" charset="-122"/>
+              <a:ea typeface="微软雅黑" panose="020B0503020204020204" pitchFamily="34" charset="-122"/>
+            </a:endParaRPr>
+          </a:p>
+        </p:txBody>
+      </p:sp>
+      <p:cxnSp>
+        <p:nvCxnSpPr>
+          <p:cNvPr id="40" name="直接箭头连接符 39">
+            <a:extLst>
+              <a:ext uri="{FF2B5EF4-FFF2-40B4-BE49-F238E27FC236}">
+                <a16:creationId xmlns:a16="http://schemas.microsoft.com/office/drawing/2014/main" id="{4769D86C-2F98-4AF9-8740-7D150A1199D5}"/>
+              </a:ext>
+            </a:extLst>
+          </p:cNvPr>
+          <p:cNvCxnSpPr>
+            <a:cxnSpLocks/>
+            <a:stCxn id="9" idx="2"/>
+          </p:cNvCxnSpPr>
+          <p:nvPr/>
+        </p:nvCxnSpPr>
+        <p:spPr>
+          <a:xfrm>
+            <a:off x="8187133" y="3957726"/>
+            <a:ext cx="0" cy="685953"/>
+          </a:xfrm>
+          <a:prstGeom prst="straightConnector1">
+            <a:avLst/>
+          </a:prstGeom>
+          <a:ln w="19050">
+            <a:solidFill>
+              <a:schemeClr val="tx1"/>
+            </a:solidFill>
+            <a:tailEnd type="triangle"/>
+          </a:ln>
+        </p:spPr>
+        <p:style>
+          <a:lnRef idx="1">
+            <a:schemeClr val="accent1"/>
+          </a:lnRef>
+          <a:fillRef idx="0">
+            <a:schemeClr val="accent1"/>
+          </a:fillRef>
+          <a:effectRef idx="0">
+            <a:schemeClr val="accent1"/>
+          </a:effectRef>
+          <a:fontRef idx="minor">
+            <a:schemeClr val="tx1"/>
+          </a:fontRef>
+        </p:style>
+      </p:cxnSp>
       <p:pic>
         <p:nvPicPr>
-          <p:cNvPr id="5" name="图片 4">
-            <a:extLst>
-              <a:ext uri="{FF2B5EF4-FFF2-40B4-BE49-F238E27FC236}">
-                <a16:creationId xmlns:a16="http://schemas.microsoft.com/office/drawing/2014/main" id="{5C4B5987-3F86-4671-B8D5-61256D3891E1}"/>
+          <p:cNvPr id="46" name="图形 45" descr="Internet">
+            <a:extLst>
+              <a:ext uri="{FF2B5EF4-FFF2-40B4-BE49-F238E27FC236}">
+                <a16:creationId xmlns:a16="http://schemas.microsoft.com/office/drawing/2014/main" id="{9998C72E-B22E-4783-9759-D1C3DC170026}"/>
               </a:ext>
             </a:extLst>
           </p:cNvPr>
@@ -5325,6 +8193,9 @@
               <a:ext uri="{28A0092B-C50C-407E-A947-70E740481C1C}">
                 <a14:useLocalDpi xmlns:a14="http://schemas.microsoft.com/office/drawing/2010/main" val="0"/>
               </a:ext>
+              <a:ext uri="{96DAC541-7B7A-43D3-8B79-37D633B846F1}">
+                <asvg:svgBlip xmlns:asvg="http://schemas.microsoft.com/office/drawing/2016/SVG/main" r:embed="rId3"/>
+              </a:ext>
             </a:extLst>
           </a:blip>
           <a:stretch>
@@ -5333,198 +8204,140 @@
         </p:blipFill>
         <p:spPr>
           <a:xfrm>
-            <a:off x="8145102" y="775485"/>
-            <a:ext cx="2266017" cy="2266017"/>
+            <a:off x="1657957" y="1252504"/>
+            <a:ext cx="914400" cy="914400"/>
           </a:xfrm>
           <a:prstGeom prst="rect">
             <a:avLst/>
           </a:prstGeom>
         </p:spPr>
       </p:pic>
-      <p:pic>
-        <p:nvPicPr>
-          <p:cNvPr id="7" name="图片 6">
-            <a:extLst>
-              <a:ext uri="{FF2B5EF4-FFF2-40B4-BE49-F238E27FC236}">
-                <a16:creationId xmlns:a16="http://schemas.microsoft.com/office/drawing/2014/main" id="{3260666C-CD3F-4947-81EB-9434119C5FA2}"/>
-              </a:ext>
-            </a:extLst>
-          </p:cNvPr>
-          <p:cNvPicPr>
-            <a:picLocks noChangeAspect="1"/>
-          </p:cNvPicPr>
+      <p:cxnSp>
+        <p:nvCxnSpPr>
+          <p:cNvPr id="47" name="直接箭头连接符 46">
+            <a:extLst>
+              <a:ext uri="{FF2B5EF4-FFF2-40B4-BE49-F238E27FC236}">
+                <a16:creationId xmlns:a16="http://schemas.microsoft.com/office/drawing/2014/main" id="{BC0DA98F-CC2B-4C23-BE9A-EC049C27B869}"/>
+              </a:ext>
+            </a:extLst>
+          </p:cNvPr>
+          <p:cNvCxnSpPr>
+            <a:cxnSpLocks/>
+            <a:stCxn id="46" idx="3"/>
+            <a:endCxn id="8" idx="1"/>
+          </p:cNvCxnSpPr>
           <p:nvPr/>
-        </p:nvPicPr>
-        <p:blipFill>
-          <a:blip r:embed="rId3">
-            <a:extLst>
-              <a:ext uri="{28A0092B-C50C-407E-A947-70E740481C1C}">
-                <a14:useLocalDpi xmlns:a14="http://schemas.microsoft.com/office/drawing/2010/main" val="0"/>
-              </a:ext>
-            </a:extLst>
-          </a:blip>
-          <a:stretch>
-            <a:fillRect/>
-          </a:stretch>
-        </p:blipFill>
-        <p:spPr>
-          <a:xfrm>
-            <a:off x="2037329" y="777583"/>
-            <a:ext cx="2266017" cy="2266017"/>
+        </p:nvCxnSpPr>
+        <p:spPr>
+          <a:xfrm>
+            <a:off x="2572357" y="1709704"/>
+            <a:ext cx="2752907" cy="0"/>
+          </a:xfrm>
+          <a:prstGeom prst="straightConnector1">
+            <a:avLst/>
+          </a:prstGeom>
+          <a:ln w="19050">
+            <a:solidFill>
+              <a:schemeClr val="tx1"/>
+            </a:solidFill>
+            <a:tailEnd type="triangle"/>
+          </a:ln>
+        </p:spPr>
+        <p:style>
+          <a:lnRef idx="1">
+            <a:schemeClr val="accent1"/>
+          </a:lnRef>
+          <a:fillRef idx="0">
+            <a:schemeClr val="accent1"/>
+          </a:fillRef>
+          <a:effectRef idx="0">
+            <a:schemeClr val="accent1"/>
+          </a:effectRef>
+          <a:fontRef idx="minor">
+            <a:schemeClr val="tx1"/>
+          </a:fontRef>
+        </p:style>
+      </p:cxnSp>
+      <p:sp>
+        <p:nvSpPr>
+          <p:cNvPr id="50" name="文本框 49">
+            <a:extLst>
+              <a:ext uri="{FF2B5EF4-FFF2-40B4-BE49-F238E27FC236}">
+                <a16:creationId xmlns:a16="http://schemas.microsoft.com/office/drawing/2014/main" id="{6C9CE843-DA2F-4832-8F61-6981A0DF27C7}"/>
+              </a:ext>
+            </a:extLst>
+          </p:cNvPr>
+          <p:cNvSpPr txBox="1"/>
+          <p:nvPr/>
+        </p:nvSpPr>
+        <p:spPr>
+          <a:xfrm>
+            <a:off x="3278057" y="1348698"/>
+            <a:ext cx="1590007" cy="369332"/>
           </a:xfrm>
           <a:prstGeom prst="rect">
             <a:avLst/>
           </a:prstGeom>
-        </p:spPr>
-      </p:pic>
-      <p:pic>
-        <p:nvPicPr>
-          <p:cNvPr id="9" name="图片 8">
-            <a:extLst>
-              <a:ext uri="{FF2B5EF4-FFF2-40B4-BE49-F238E27FC236}">
-                <a16:creationId xmlns:a16="http://schemas.microsoft.com/office/drawing/2014/main" id="{BB1527C8-866D-4B73-BD1E-9B4F78C74376}"/>
-              </a:ext>
-            </a:extLst>
-          </p:cNvPr>
-          <p:cNvPicPr>
-            <a:picLocks noChangeAspect="1"/>
-          </p:cNvPicPr>
+          <a:noFill/>
+        </p:spPr>
+        <p:txBody>
+          <a:bodyPr wrap="square" rtlCol="0">
+            <a:spAutoFit/>
+          </a:bodyPr>
+          <a:lstStyle/>
+          <a:p>
+            <a:r>
+              <a:rPr lang="zh-CN" altLang="en-US" dirty="0">
+                <a:latin typeface="微软雅黑" panose="020B0503020204020204" pitchFamily="34" charset="-122"/>
+                <a:ea typeface="微软雅黑" panose="020B0503020204020204" pitchFamily="34" charset="-122"/>
+              </a:rPr>
+              <a:t>用户请求</a:t>
+            </a:r>
+          </a:p>
+        </p:txBody>
+      </p:sp>
+      <p:sp>
+        <p:nvSpPr>
+          <p:cNvPr id="64" name="文本框 63">
+            <a:extLst>
+              <a:ext uri="{FF2B5EF4-FFF2-40B4-BE49-F238E27FC236}">
+                <a16:creationId xmlns:a16="http://schemas.microsoft.com/office/drawing/2014/main" id="{8275162B-6724-4D75-B86F-E3D96D736B07}"/>
+              </a:ext>
+            </a:extLst>
+          </p:cNvPr>
+          <p:cNvSpPr txBox="1"/>
           <p:nvPr/>
-        </p:nvPicPr>
-        <p:blipFill>
-          <a:blip r:embed="rId4">
-            <a:extLst>
-              <a:ext uri="{28A0092B-C50C-407E-A947-70E740481C1C}">
-                <a14:useLocalDpi xmlns:a14="http://schemas.microsoft.com/office/drawing/2010/main" val="0"/>
-              </a:ext>
-            </a:extLst>
-          </a:blip>
-          <a:stretch>
-            <a:fillRect/>
-          </a:stretch>
-        </p:blipFill>
-        <p:spPr>
-          <a:xfrm>
-            <a:off x="5091215" y="775484"/>
-            <a:ext cx="2266017" cy="2266017"/>
+        </p:nvSpPr>
+        <p:spPr>
+          <a:xfrm>
+            <a:off x="5358030" y="4648347"/>
+            <a:ext cx="1590007" cy="369332"/>
           </a:xfrm>
           <a:prstGeom prst="rect">
             <a:avLst/>
           </a:prstGeom>
-        </p:spPr>
-      </p:pic>
-      <p:pic>
-        <p:nvPicPr>
-          <p:cNvPr id="13" name="图片 12">
-            <a:extLst>
-              <a:ext uri="{FF2B5EF4-FFF2-40B4-BE49-F238E27FC236}">
-                <a16:creationId xmlns:a16="http://schemas.microsoft.com/office/drawing/2014/main" id="{57CA6EB7-732D-4F66-8CD5-340A0D72E1F8}"/>
-              </a:ext>
-            </a:extLst>
-          </p:cNvPr>
-          <p:cNvPicPr>
-            <a:picLocks noChangeAspect="1"/>
-          </p:cNvPicPr>
-          <p:nvPr/>
-        </p:nvPicPr>
-        <p:blipFill>
-          <a:blip r:embed="rId3">
-            <a:extLst>
-              <a:ext uri="{28A0092B-C50C-407E-A947-70E740481C1C}">
-                <a14:useLocalDpi xmlns:a14="http://schemas.microsoft.com/office/drawing/2010/main" val="0"/>
-              </a:ext>
-            </a:extLst>
-          </a:blip>
-          <a:stretch>
-            <a:fillRect/>
-          </a:stretch>
-        </p:blipFill>
-        <p:spPr>
-          <a:xfrm>
-            <a:off x="2037329" y="3816499"/>
-            <a:ext cx="2266018" cy="2266018"/>
-          </a:xfrm>
-          <a:prstGeom prst="rect">
-            <a:avLst/>
-          </a:prstGeom>
-        </p:spPr>
-      </p:pic>
-      <p:pic>
-        <p:nvPicPr>
-          <p:cNvPr id="15" name="图片 14">
-            <a:extLst>
-              <a:ext uri="{FF2B5EF4-FFF2-40B4-BE49-F238E27FC236}">
-                <a16:creationId xmlns:a16="http://schemas.microsoft.com/office/drawing/2014/main" id="{CB129528-ECA7-4DE8-AB27-91940F14470D}"/>
-              </a:ext>
-            </a:extLst>
-          </p:cNvPr>
-          <p:cNvPicPr>
-            <a:picLocks noChangeAspect="1"/>
-          </p:cNvPicPr>
-          <p:nvPr/>
-        </p:nvPicPr>
-        <p:blipFill>
-          <a:blip r:embed="rId5">
-            <a:extLst>
-              <a:ext uri="{28A0092B-C50C-407E-A947-70E740481C1C}">
-                <a14:useLocalDpi xmlns:a14="http://schemas.microsoft.com/office/drawing/2010/main" val="0"/>
-              </a:ext>
-            </a:extLst>
-          </a:blip>
-          <a:stretch>
-            <a:fillRect/>
-          </a:stretch>
-        </p:blipFill>
-        <p:spPr>
-          <a:xfrm>
-            <a:off x="8145100" y="3816498"/>
-            <a:ext cx="2266017" cy="2266017"/>
-          </a:xfrm>
-          <a:prstGeom prst="rect">
-            <a:avLst/>
-          </a:prstGeom>
-        </p:spPr>
-      </p:pic>
-      <p:pic>
-        <p:nvPicPr>
-          <p:cNvPr id="17" name="图片 16">
-            <a:extLst>
-              <a:ext uri="{FF2B5EF4-FFF2-40B4-BE49-F238E27FC236}">
-                <a16:creationId xmlns:a16="http://schemas.microsoft.com/office/drawing/2014/main" id="{F4952940-5AC7-4848-8963-7F15ABE8B9F4}"/>
-              </a:ext>
-            </a:extLst>
-          </p:cNvPr>
-          <p:cNvPicPr>
-            <a:picLocks noChangeAspect="1"/>
-          </p:cNvPicPr>
-          <p:nvPr/>
-        </p:nvPicPr>
-        <p:blipFill>
-          <a:blip r:embed="rId4">
-            <a:extLst>
-              <a:ext uri="{28A0092B-C50C-407E-A947-70E740481C1C}">
-                <a14:useLocalDpi xmlns:a14="http://schemas.microsoft.com/office/drawing/2010/main" val="0"/>
-              </a:ext>
-            </a:extLst>
-          </a:blip>
-          <a:stretch>
-            <a:fillRect/>
-          </a:stretch>
-        </p:blipFill>
-        <p:spPr>
-          <a:xfrm>
-            <a:off x="5091215" y="3816500"/>
-            <a:ext cx="2266017" cy="2266017"/>
-          </a:xfrm>
-          <a:prstGeom prst="rect">
-            <a:avLst/>
-          </a:prstGeom>
-        </p:spPr>
-      </p:pic>
+          <a:noFill/>
+        </p:spPr>
+        <p:txBody>
+          <a:bodyPr wrap="square" rtlCol="0">
+            <a:spAutoFit/>
+          </a:bodyPr>
+          <a:lstStyle/>
+          <a:p>
+            <a:r>
+              <a:rPr lang="zh-CN" altLang="en-US" dirty="0">
+                <a:latin typeface="微软雅黑" panose="020B0503020204020204" pitchFamily="34" charset="-122"/>
+                <a:ea typeface="微软雅黑" panose="020B0503020204020204" pitchFamily="34" charset="-122"/>
+              </a:rPr>
+              <a:t>图像处理</a:t>
+            </a:r>
+          </a:p>
+        </p:txBody>
+      </p:sp>
     </p:spTree>
     <p:extLst>
       <p:ext uri="{BB962C8B-B14F-4D97-AF65-F5344CB8AC3E}">
-        <p14:creationId xmlns:p14="http://schemas.microsoft.com/office/powerpoint/2010/main" val="3439948023"/>
+        <p14:creationId xmlns:p14="http://schemas.microsoft.com/office/powerpoint/2010/main" val="421769583"/>
       </p:ext>
     </p:extLst>
   </p:cSld>
